--- a/Assets/Documents/Præsentation-sidernesVerden.pptx
+++ b/Assets/Documents/Præsentation-sidernesVerden.pptx
@@ -8,6 +8,15 @@
     <p:sldId id="256" r:id="rId2"/>
     <p:sldId id="257" r:id="rId3"/>
     <p:sldId id="258" r:id="rId4"/>
+    <p:sldId id="259" r:id="rId5"/>
+    <p:sldId id="260" r:id="rId6"/>
+    <p:sldId id="261" r:id="rId7"/>
+    <p:sldId id="262" r:id="rId8"/>
+    <p:sldId id="263" r:id="rId9"/>
+    <p:sldId id="264" r:id="rId10"/>
+    <p:sldId id="265" r:id="rId11"/>
+    <p:sldId id="266" r:id="rId12"/>
+    <p:sldId id="267" r:id="rId13"/>
   </p:sldIdLst>
   <p:sldSz cx="12192000" cy="6858000"/>
   <p:notesSz cx="6858000" cy="9144000"/>
@@ -114,9 +123,21 @@
             <p14:sldId id="256"/>
             <p14:sldId id="257"/>
             <p14:sldId id="258"/>
+            <p14:sldId id="259"/>
+            <p14:sldId id="260"/>
+            <p14:sldId id="261"/>
+            <p14:sldId id="262"/>
+            <p14:sldId id="263"/>
+            <p14:sldId id="264"/>
+            <p14:sldId id="265"/>
+            <p14:sldId id="266"/>
+            <p14:sldId id="267"/>
           </p14:sldIdLst>
         </p14:section>
       </p14:sectionLst>
+    </p:ext>
+    <p:ext uri="{EFAFB233-063F-42B5-8137-9DF3F51BA10A}">
+      <p15:sldGuideLst xmlns:p15="http://schemas.microsoft.com/office/powerpoint/2012/main"/>
     </p:ext>
   </p:extLst>
 </p:presentation>
@@ -277,7 +298,7 @@
           <a:p>
             <a:fld id="{CA430C0A-5464-4FE4-84EB-FF9C94016DF4}" type="datetimeFigureOut">
               <a:rPr lang="en-US" dirty="0"/>
-              <a:t>4/29/2024</a:t>
+              <a:t>5/3/2024</a:t>
             </a:fld>
             <a:endParaRPr lang="en-US" dirty="0"/>
           </a:p>
@@ -443,7 +464,7 @@
           <a:p>
             <a:fld id="{E9F9C37B-1D36-470B-8223-D6C91242EC14}" type="datetimeFigureOut">
               <a:rPr lang="en-US" dirty="0"/>
-              <a:t>4/29/2024</a:t>
+              <a:t>5/3/2024</a:t>
             </a:fld>
             <a:endParaRPr lang="en-US" dirty="0"/>
           </a:p>
@@ -618,7 +639,7 @@
           <a:p>
             <a:fld id="{67C6F52A-A82B-47A2-A83A-8C4C91F2D59F}" type="datetimeFigureOut">
               <a:rPr lang="en-US" dirty="0"/>
-              <a:t>4/29/2024</a:t>
+              <a:t>5/3/2024</a:t>
             </a:fld>
             <a:endParaRPr lang="en-US" dirty="0"/>
           </a:p>
@@ -783,7 +804,7 @@
           <a:p>
             <a:fld id="{F070A7B3-6521-4DCA-87E5-044747A908C1}" type="datetimeFigureOut">
               <a:rPr lang="en-US" dirty="0"/>
-              <a:t>4/29/2024</a:t>
+              <a:t>5/3/2024</a:t>
             </a:fld>
             <a:endParaRPr lang="en-US" dirty="0"/>
           </a:p>
@@ -1039,7 +1060,7 @@
           <a:p>
             <a:fld id="{360C6404-AD6E-4860-8E75-697CA40B95DA}" type="datetimeFigureOut">
               <a:rPr lang="en-US" dirty="0"/>
-              <a:t>4/29/2024</a:t>
+              <a:t>5/3/2024</a:t>
             </a:fld>
             <a:endParaRPr lang="en-US" dirty="0"/>
           </a:p>
@@ -1267,7 +1288,7 @@
           <a:p>
             <a:fld id="{AB134690-1557-4C89-A502-4959FE7FAD70}" type="datetimeFigureOut">
               <a:rPr lang="en-US" dirty="0"/>
-              <a:t>4/29/2024</a:t>
+              <a:t>5/3/2024</a:t>
             </a:fld>
             <a:endParaRPr lang="en-US" dirty="0"/>
           </a:p>
@@ -1617,7 +1638,7 @@
           <a:p>
             <a:fld id="{4F7D4976-E339-4826-83B7-FBD03F55ECF8}" type="datetimeFigureOut">
               <a:rPr lang="en-US" dirty="0"/>
-              <a:t>4/29/2024</a:t>
+              <a:t>5/3/2024</a:t>
             </a:fld>
             <a:endParaRPr lang="en-US" dirty="0"/>
           </a:p>
@@ -1753,7 +1774,7 @@
           <a:p>
             <a:fld id="{E1037C31-9E7A-4F99-8774-A0E530DE1A42}" type="datetimeFigureOut">
               <a:rPr lang="en-US" dirty="0"/>
-              <a:t>4/29/2024</a:t>
+              <a:t>5/3/2024</a:t>
             </a:fld>
             <a:endParaRPr lang="en-US" dirty="0"/>
           </a:p>
@@ -1843,7 +1864,7 @@
           <a:p>
             <a:fld id="{C278504F-A551-4DE0-9316-4DCD1D8CC752}" type="datetimeFigureOut">
               <a:rPr lang="en-US" dirty="0"/>
-              <a:t>4/29/2024</a:t>
+              <a:t>5/3/2024</a:t>
             </a:fld>
             <a:endParaRPr lang="en-US" dirty="0"/>
           </a:p>
@@ -2195,7 +2216,7 @@
           <a:p>
             <a:fld id="{D1BE4249-C0D0-4B06-8692-E8BB871AF643}" type="datetimeFigureOut">
               <a:rPr lang="en-US" dirty="0"/>
-              <a:t>4/29/2024</a:t>
+              <a:t>5/3/2024</a:t>
             </a:fld>
             <a:endParaRPr lang="en-US" dirty="0"/>
           </a:p>
@@ -2508,7 +2529,7 @@
           <a:p>
             <a:fld id="{042B0DB6-F5C7-45FB-8CF3-31B45F9C2DAC}" type="datetimeFigureOut">
               <a:rPr lang="en-US" dirty="0"/>
-              <a:t>4/29/2024</a:t>
+              <a:t>5/3/2024</a:t>
             </a:fld>
             <a:endParaRPr lang="en-US" dirty="0"/>
           </a:p>
@@ -2748,7 +2769,7 @@
           <a:p>
             <a:fld id="{1160EA64-D806-43AC-9DF2-F8C432F32B4C}" type="datetimeFigureOut">
               <a:rPr lang="en-US" dirty="0"/>
-              <a:t>4/29/2024</a:t>
+              <a:t>5/3/2024</a:t>
             </a:fld>
             <a:endParaRPr lang="en-US" dirty="0"/>
           </a:p>
@@ -3543,6 +3564,2751 @@
 </p:sld>
 </file>
 
+<file path=ppt/slides/slide10.xml><?xml version="1.0" encoding="utf-8"?>
+<p:sld xmlns:a="http://schemas.openxmlformats.org/drawingml/2006/main" xmlns:r="http://schemas.openxmlformats.org/officeDocument/2006/relationships" xmlns:p="http://schemas.openxmlformats.org/presentationml/2006/main">
+  <p:cSld>
+    <p:spTree>
+      <p:nvGrpSpPr>
+        <p:cNvPr id="1" name=""/>
+        <p:cNvGrpSpPr/>
+        <p:nvPr/>
+      </p:nvGrpSpPr>
+      <p:grpSpPr>
+        <a:xfrm>
+          <a:off x="0" y="0"/>
+          <a:ext cx="0" cy="0"/>
+          <a:chOff x="0" y="0"/>
+          <a:chExt cx="0" cy="0"/>
+        </a:xfrm>
+      </p:grpSpPr>
+      <p:sp>
+        <p:nvSpPr>
+          <p:cNvPr id="2" name="Titel 1">
+            <a:extLst>
+              <a:ext uri="{FF2B5EF4-FFF2-40B4-BE49-F238E27FC236}">
+                <a16:creationId xmlns:a16="http://schemas.microsoft.com/office/drawing/2014/main" id="{858930D5-B99F-EF58-FA57-11C55FE36AC3}"/>
+              </a:ext>
+            </a:extLst>
+          </p:cNvPr>
+          <p:cNvSpPr>
+            <a:spLocks noGrp="1"/>
+          </p:cNvSpPr>
+          <p:nvPr>
+            <p:ph type="title"/>
+          </p:nvPr>
+        </p:nvSpPr>
+        <p:spPr/>
+        <p:txBody>
+          <a:bodyPr/>
+          <a:lstStyle/>
+          <a:p>
+            <a:r>
+              <a:rPr lang="da-DK" dirty="0"/>
+              <a:t>Bourne Again Shell</a:t>
+            </a:r>
+          </a:p>
+        </p:txBody>
+      </p:sp>
+      <p:sp>
+        <p:nvSpPr>
+          <p:cNvPr id="3" name="Pladsholder til indhold 2">
+            <a:extLst>
+              <a:ext uri="{FF2B5EF4-FFF2-40B4-BE49-F238E27FC236}">
+                <a16:creationId xmlns:a16="http://schemas.microsoft.com/office/drawing/2014/main" id="{736940B2-1A7D-1039-10F8-89AF8F6BF03B}"/>
+              </a:ext>
+            </a:extLst>
+          </p:cNvPr>
+          <p:cNvSpPr>
+            <a:spLocks noGrp="1"/>
+          </p:cNvSpPr>
+          <p:nvPr>
+            <p:ph sz="half" idx="1"/>
+          </p:nvPr>
+        </p:nvSpPr>
+        <p:spPr>
+          <a:xfrm>
+            <a:off x="1824229" y="3515869"/>
+            <a:ext cx="4271771" cy="1188720"/>
+          </a:xfrm>
+        </p:spPr>
+        <p:txBody>
+          <a:bodyPr/>
+          <a:lstStyle/>
+          <a:p>
+            <a:r>
+              <a:rPr lang="da-DK" dirty="0"/>
+              <a:t>Bourne Again SHell</a:t>
+            </a:r>
+          </a:p>
+          <a:p>
+            <a:r>
+              <a:rPr lang="da-DK" dirty="0"/>
+              <a:t>Shell program</a:t>
+            </a:r>
+          </a:p>
+          <a:p>
+            <a:r>
+              <a:rPr lang="da-DK" dirty="0"/>
+              <a:t>Kommando-sprog</a:t>
+            </a:r>
+          </a:p>
+          <a:p>
+            <a:endParaRPr lang="da-DK" dirty="0"/>
+          </a:p>
+        </p:txBody>
+      </p:sp>
+      <p:sp>
+        <p:nvSpPr>
+          <p:cNvPr id="4" name="Pladsholder til indhold 3">
+            <a:extLst>
+              <a:ext uri="{FF2B5EF4-FFF2-40B4-BE49-F238E27FC236}">
+                <a16:creationId xmlns:a16="http://schemas.microsoft.com/office/drawing/2014/main" id="{2336A80C-B016-2826-EADF-DEE3D2D86AF9}"/>
+              </a:ext>
+            </a:extLst>
+          </p:cNvPr>
+          <p:cNvSpPr>
+            <a:spLocks noGrp="1"/>
+          </p:cNvSpPr>
+          <p:nvPr>
+            <p:ph sz="half" idx="2"/>
+          </p:nvPr>
+        </p:nvSpPr>
+        <p:spPr>
+          <a:xfrm>
+            <a:off x="6338319" y="2342208"/>
+            <a:ext cx="4270247" cy="4103415"/>
+          </a:xfrm>
+        </p:spPr>
+        <p:txBody>
+          <a:bodyPr/>
+          <a:lstStyle/>
+          <a:p>
+            <a:r>
+              <a:rPr lang="da-DK" dirty="0"/>
+              <a:t>Bourne Again Shell er en forbedring af den originale Bourne Shell, også kaldet ‘Sh’, som originalt var udviklet af Steve Bourne.</a:t>
+            </a:r>
+          </a:p>
+          <a:p>
+            <a:r>
+              <a:rPr lang="da-DK" dirty="0"/>
+              <a:t>Bash er skrev af Brian Fox og udgivet i 1989 som en del af GNU projektet.</a:t>
+            </a:r>
+          </a:p>
+          <a:p>
+            <a:r>
+              <a:rPr lang="da-DK" dirty="0"/>
+              <a:t>GNU projektet er den indsats som er gjort for at skabe et frit og åbent operativsystem.</a:t>
+            </a:r>
+          </a:p>
+          <a:p>
+            <a:r>
+              <a:rPr lang="da-DK" dirty="0"/>
+              <a:t>Bash anvendes som standard shell på mange Linux distributioner, eksempelvis Ubuntu, Fedora, Debian, Arch</a:t>
+            </a:r>
+          </a:p>
+        </p:txBody>
+      </p:sp>
+      <p:sp>
+        <p:nvSpPr>
+          <p:cNvPr id="5" name="Pladsholder til indhold 3">
+            <a:extLst>
+              <a:ext uri="{FF2B5EF4-FFF2-40B4-BE49-F238E27FC236}">
+                <a16:creationId xmlns:a16="http://schemas.microsoft.com/office/drawing/2014/main" id="{73FC1A21-C019-3385-8ECA-3ABF7CE2D87C}"/>
+              </a:ext>
+            </a:extLst>
+          </p:cNvPr>
+          <p:cNvSpPr txBox="1">
+            <a:spLocks/>
+          </p:cNvSpPr>
+          <p:nvPr/>
+        </p:nvSpPr>
+        <p:spPr>
+          <a:xfrm>
+            <a:off x="6338319" y="2342207"/>
+            <a:ext cx="4270247" cy="4103415"/>
+          </a:xfrm>
+          <a:prstGeom prst="rect">
+            <a:avLst/>
+          </a:prstGeom>
+        </p:spPr>
+        <p:txBody>
+          <a:bodyPr vert="horz" lIns="91440" tIns="45720" rIns="91440" bIns="45720" rtlCol="0">
+            <a:normAutofit/>
+          </a:bodyPr>
+          <a:lstStyle>
+            <a:lvl1pPr marL="228600" indent="-228600" algn="l" defTabSz="914400" rtl="0" eaLnBrk="1" latinLnBrk="0" hangingPunct="1">
+              <a:lnSpc>
+                <a:spcPct val="100000"/>
+              </a:lnSpc>
+              <a:spcBef>
+                <a:spcPts val="1000"/>
+              </a:spcBef>
+              <a:buClr>
+                <a:schemeClr val="accent2"/>
+              </a:buClr>
+              <a:buFont typeface="Arial" panose="020B0604020202020204" pitchFamily="34" charset="0"/>
+              <a:buChar char="•"/>
+              <a:defRPr sz="1800" kern="1200">
+                <a:solidFill>
+                  <a:schemeClr val="tx1">
+                    <a:lumMod val="85000"/>
+                    <a:lumOff val="15000"/>
+                  </a:schemeClr>
+                </a:solidFill>
+                <a:latin typeface="+mn-lt"/>
+                <a:ea typeface="+mn-ea"/>
+                <a:cs typeface="+mn-cs"/>
+              </a:defRPr>
+            </a:lvl1pPr>
+            <a:lvl2pPr marL="457200" indent="-228600" algn="l" defTabSz="914400" rtl="0" eaLnBrk="1" latinLnBrk="0" hangingPunct="1">
+              <a:lnSpc>
+                <a:spcPct val="100000"/>
+              </a:lnSpc>
+              <a:spcBef>
+                <a:spcPts val="1000"/>
+              </a:spcBef>
+              <a:buClr>
+                <a:schemeClr val="accent2"/>
+              </a:buClr>
+              <a:buFont typeface="Arial" panose="020B0604020202020204" pitchFamily="34" charset="0"/>
+              <a:buChar char="•"/>
+              <a:defRPr sz="1600" kern="1200">
+                <a:solidFill>
+                  <a:schemeClr val="tx1">
+                    <a:lumMod val="85000"/>
+                    <a:lumOff val="15000"/>
+                  </a:schemeClr>
+                </a:solidFill>
+                <a:latin typeface="+mn-lt"/>
+                <a:ea typeface="+mn-ea"/>
+                <a:cs typeface="+mn-cs"/>
+              </a:defRPr>
+            </a:lvl2pPr>
+            <a:lvl3pPr marL="685800" indent="-228600" algn="l" defTabSz="914400" rtl="0" eaLnBrk="1" latinLnBrk="0" hangingPunct="1">
+              <a:lnSpc>
+                <a:spcPct val="100000"/>
+              </a:lnSpc>
+              <a:spcBef>
+                <a:spcPts val="1000"/>
+              </a:spcBef>
+              <a:buClr>
+                <a:schemeClr val="accent2"/>
+              </a:buClr>
+              <a:buFont typeface="Arial" panose="020B0604020202020204" pitchFamily="34" charset="0"/>
+              <a:buChar char="•"/>
+              <a:defRPr sz="1600" kern="1200">
+                <a:solidFill>
+                  <a:schemeClr val="tx1">
+                    <a:lumMod val="85000"/>
+                    <a:lumOff val="15000"/>
+                  </a:schemeClr>
+                </a:solidFill>
+                <a:latin typeface="+mn-lt"/>
+                <a:ea typeface="+mn-ea"/>
+                <a:cs typeface="+mn-cs"/>
+              </a:defRPr>
+            </a:lvl3pPr>
+            <a:lvl4pPr marL="914400" indent="-228600" algn="l" defTabSz="914400" rtl="0" eaLnBrk="1" latinLnBrk="0" hangingPunct="1">
+              <a:lnSpc>
+                <a:spcPct val="100000"/>
+              </a:lnSpc>
+              <a:spcBef>
+                <a:spcPts val="1000"/>
+              </a:spcBef>
+              <a:buClr>
+                <a:schemeClr val="accent2"/>
+              </a:buClr>
+              <a:buFont typeface="Arial" panose="020B0604020202020204" pitchFamily="34" charset="0"/>
+              <a:buChar char="•"/>
+              <a:defRPr sz="1600" kern="1200">
+                <a:solidFill>
+                  <a:schemeClr val="tx1">
+                    <a:lumMod val="85000"/>
+                    <a:lumOff val="15000"/>
+                  </a:schemeClr>
+                </a:solidFill>
+                <a:latin typeface="+mn-lt"/>
+                <a:ea typeface="+mn-ea"/>
+                <a:cs typeface="+mn-cs"/>
+              </a:defRPr>
+            </a:lvl4pPr>
+            <a:lvl5pPr marL="1143000" indent="-228600" algn="l" defTabSz="914400" rtl="0" eaLnBrk="1" latinLnBrk="0" hangingPunct="1">
+              <a:lnSpc>
+                <a:spcPct val="100000"/>
+              </a:lnSpc>
+              <a:spcBef>
+                <a:spcPts val="1000"/>
+              </a:spcBef>
+              <a:buClr>
+                <a:schemeClr val="accent2"/>
+              </a:buClr>
+              <a:buFont typeface="Arial" panose="020B0604020202020204" pitchFamily="34" charset="0"/>
+              <a:buChar char="•"/>
+              <a:defRPr sz="1600" kern="1200">
+                <a:solidFill>
+                  <a:schemeClr val="tx1">
+                    <a:lumMod val="85000"/>
+                    <a:lumOff val="15000"/>
+                  </a:schemeClr>
+                </a:solidFill>
+                <a:latin typeface="+mn-lt"/>
+                <a:ea typeface="+mn-ea"/>
+                <a:cs typeface="+mn-cs"/>
+              </a:defRPr>
+            </a:lvl5pPr>
+            <a:lvl6pPr marL="1312863" indent="-228600" algn="l" defTabSz="914400" rtl="0" eaLnBrk="1" latinLnBrk="0" hangingPunct="1">
+              <a:lnSpc>
+                <a:spcPct val="100000"/>
+              </a:lnSpc>
+              <a:spcBef>
+                <a:spcPts val="1000"/>
+              </a:spcBef>
+              <a:buClr>
+                <a:schemeClr val="accent2"/>
+              </a:buClr>
+              <a:buFont typeface="Arial" panose="020B0604020202020204" pitchFamily="34" charset="0"/>
+              <a:buChar char="•"/>
+              <a:defRPr sz="1600" kern="1200">
+                <a:solidFill>
+                  <a:schemeClr val="tx1"/>
+                </a:solidFill>
+                <a:latin typeface="+mn-lt"/>
+                <a:ea typeface="+mn-ea"/>
+                <a:cs typeface="+mn-cs"/>
+              </a:defRPr>
+            </a:lvl6pPr>
+            <a:lvl7pPr marL="1484313" indent="-228600" algn="l" defTabSz="914400" rtl="0" eaLnBrk="1" latinLnBrk="0" hangingPunct="1">
+              <a:lnSpc>
+                <a:spcPct val="100000"/>
+              </a:lnSpc>
+              <a:spcBef>
+                <a:spcPts val="1000"/>
+              </a:spcBef>
+              <a:buClr>
+                <a:schemeClr val="accent2"/>
+              </a:buClr>
+              <a:buFont typeface="Arial" panose="020B0604020202020204" pitchFamily="34" charset="0"/>
+              <a:buChar char="•"/>
+              <a:defRPr sz="1600" kern="1200">
+                <a:solidFill>
+                  <a:schemeClr val="tx1"/>
+                </a:solidFill>
+                <a:latin typeface="+mn-lt"/>
+                <a:ea typeface="+mn-ea"/>
+                <a:cs typeface="+mn-cs"/>
+              </a:defRPr>
+            </a:lvl7pPr>
+            <a:lvl8pPr marL="1657350" indent="-228600" algn="l" defTabSz="914400" rtl="0" eaLnBrk="1" latinLnBrk="0" hangingPunct="1">
+              <a:lnSpc>
+                <a:spcPct val="100000"/>
+              </a:lnSpc>
+              <a:spcBef>
+                <a:spcPts val="1000"/>
+              </a:spcBef>
+              <a:buClr>
+                <a:schemeClr val="accent2"/>
+              </a:buClr>
+              <a:buFont typeface="Arial" panose="020B0604020202020204" pitchFamily="34" charset="0"/>
+              <a:buChar char="•"/>
+              <a:defRPr sz="1600" kern="1200" baseline="0">
+                <a:solidFill>
+                  <a:schemeClr val="tx1"/>
+                </a:solidFill>
+                <a:latin typeface="+mn-lt"/>
+                <a:ea typeface="+mn-ea"/>
+                <a:cs typeface="+mn-cs"/>
+              </a:defRPr>
+            </a:lvl8pPr>
+            <a:lvl9pPr marL="1882775" indent="-228600" algn="l" defTabSz="914400" rtl="0" eaLnBrk="1" latinLnBrk="0" hangingPunct="1">
+              <a:lnSpc>
+                <a:spcPct val="100000"/>
+              </a:lnSpc>
+              <a:spcBef>
+                <a:spcPts val="1000"/>
+              </a:spcBef>
+              <a:buClr>
+                <a:schemeClr val="accent2"/>
+              </a:buClr>
+              <a:buFont typeface="Arial" panose="020B0604020202020204" pitchFamily="34" charset="0"/>
+              <a:buChar char="•"/>
+              <a:defRPr sz="1600" kern="1200" baseline="0">
+                <a:solidFill>
+                  <a:schemeClr val="tx1"/>
+                </a:solidFill>
+                <a:latin typeface="+mn-lt"/>
+                <a:ea typeface="+mn-ea"/>
+                <a:cs typeface="+mn-cs"/>
+              </a:defRPr>
+            </a:lvl9pPr>
+          </a:lstStyle>
+          <a:p>
+            <a:r>
+              <a:rPr lang="da-DK" dirty="0"/>
+              <a:t>En shell er brugergrænsefladen som tillader brugere at interagere med systemet ved hjælp af kommandoer.</a:t>
+            </a:r>
+          </a:p>
+          <a:p>
+            <a:r>
+              <a:rPr lang="da-DK" dirty="0"/>
+              <a:t>Der findes forskellige typer af Shell-programmer, eksempelvis kommandolinjeshells(CLI) og grafiske Shells(GUI).</a:t>
+            </a:r>
+          </a:p>
+          <a:p>
+            <a:r>
+              <a:rPr lang="da-DK" dirty="0"/>
+              <a:t>Bash er en CLI</a:t>
+            </a:r>
+          </a:p>
+        </p:txBody>
+      </p:sp>
+      <p:sp>
+        <p:nvSpPr>
+          <p:cNvPr id="6" name="Pladsholder til indhold 3">
+            <a:extLst>
+              <a:ext uri="{FF2B5EF4-FFF2-40B4-BE49-F238E27FC236}">
+                <a16:creationId xmlns:a16="http://schemas.microsoft.com/office/drawing/2014/main" id="{BF843F7D-8D36-BCC7-5AEB-C20F93ED2EAE}"/>
+              </a:ext>
+            </a:extLst>
+          </p:cNvPr>
+          <p:cNvSpPr txBox="1">
+            <a:spLocks/>
+          </p:cNvSpPr>
+          <p:nvPr/>
+        </p:nvSpPr>
+        <p:spPr>
+          <a:xfrm>
+            <a:off x="6338319" y="2342206"/>
+            <a:ext cx="4270247" cy="4103415"/>
+          </a:xfrm>
+          <a:prstGeom prst="rect">
+            <a:avLst/>
+          </a:prstGeom>
+        </p:spPr>
+        <p:txBody>
+          <a:bodyPr vert="horz" lIns="91440" tIns="45720" rIns="91440" bIns="45720" rtlCol="0">
+            <a:normAutofit/>
+          </a:bodyPr>
+          <a:lstStyle>
+            <a:lvl1pPr marL="228600" indent="-228600" algn="l" defTabSz="914400" rtl="0" eaLnBrk="1" latinLnBrk="0" hangingPunct="1">
+              <a:lnSpc>
+                <a:spcPct val="100000"/>
+              </a:lnSpc>
+              <a:spcBef>
+                <a:spcPts val="1000"/>
+              </a:spcBef>
+              <a:buClr>
+                <a:schemeClr val="accent2"/>
+              </a:buClr>
+              <a:buFont typeface="Arial" panose="020B0604020202020204" pitchFamily="34" charset="0"/>
+              <a:buChar char="•"/>
+              <a:defRPr sz="1800" kern="1200">
+                <a:solidFill>
+                  <a:schemeClr val="tx1">
+                    <a:lumMod val="85000"/>
+                    <a:lumOff val="15000"/>
+                  </a:schemeClr>
+                </a:solidFill>
+                <a:latin typeface="+mn-lt"/>
+                <a:ea typeface="+mn-ea"/>
+                <a:cs typeface="+mn-cs"/>
+              </a:defRPr>
+            </a:lvl1pPr>
+            <a:lvl2pPr marL="457200" indent="-228600" algn="l" defTabSz="914400" rtl="0" eaLnBrk="1" latinLnBrk="0" hangingPunct="1">
+              <a:lnSpc>
+                <a:spcPct val="100000"/>
+              </a:lnSpc>
+              <a:spcBef>
+                <a:spcPts val="1000"/>
+              </a:spcBef>
+              <a:buClr>
+                <a:schemeClr val="accent2"/>
+              </a:buClr>
+              <a:buFont typeface="Arial" panose="020B0604020202020204" pitchFamily="34" charset="0"/>
+              <a:buChar char="•"/>
+              <a:defRPr sz="1600" kern="1200">
+                <a:solidFill>
+                  <a:schemeClr val="tx1">
+                    <a:lumMod val="85000"/>
+                    <a:lumOff val="15000"/>
+                  </a:schemeClr>
+                </a:solidFill>
+                <a:latin typeface="+mn-lt"/>
+                <a:ea typeface="+mn-ea"/>
+                <a:cs typeface="+mn-cs"/>
+              </a:defRPr>
+            </a:lvl2pPr>
+            <a:lvl3pPr marL="685800" indent="-228600" algn="l" defTabSz="914400" rtl="0" eaLnBrk="1" latinLnBrk="0" hangingPunct="1">
+              <a:lnSpc>
+                <a:spcPct val="100000"/>
+              </a:lnSpc>
+              <a:spcBef>
+                <a:spcPts val="1000"/>
+              </a:spcBef>
+              <a:buClr>
+                <a:schemeClr val="accent2"/>
+              </a:buClr>
+              <a:buFont typeface="Arial" panose="020B0604020202020204" pitchFamily="34" charset="0"/>
+              <a:buChar char="•"/>
+              <a:defRPr sz="1600" kern="1200">
+                <a:solidFill>
+                  <a:schemeClr val="tx1">
+                    <a:lumMod val="85000"/>
+                    <a:lumOff val="15000"/>
+                  </a:schemeClr>
+                </a:solidFill>
+                <a:latin typeface="+mn-lt"/>
+                <a:ea typeface="+mn-ea"/>
+                <a:cs typeface="+mn-cs"/>
+              </a:defRPr>
+            </a:lvl3pPr>
+            <a:lvl4pPr marL="914400" indent="-228600" algn="l" defTabSz="914400" rtl="0" eaLnBrk="1" latinLnBrk="0" hangingPunct="1">
+              <a:lnSpc>
+                <a:spcPct val="100000"/>
+              </a:lnSpc>
+              <a:spcBef>
+                <a:spcPts val="1000"/>
+              </a:spcBef>
+              <a:buClr>
+                <a:schemeClr val="accent2"/>
+              </a:buClr>
+              <a:buFont typeface="Arial" panose="020B0604020202020204" pitchFamily="34" charset="0"/>
+              <a:buChar char="•"/>
+              <a:defRPr sz="1600" kern="1200">
+                <a:solidFill>
+                  <a:schemeClr val="tx1">
+                    <a:lumMod val="85000"/>
+                    <a:lumOff val="15000"/>
+                  </a:schemeClr>
+                </a:solidFill>
+                <a:latin typeface="+mn-lt"/>
+                <a:ea typeface="+mn-ea"/>
+                <a:cs typeface="+mn-cs"/>
+              </a:defRPr>
+            </a:lvl4pPr>
+            <a:lvl5pPr marL="1143000" indent="-228600" algn="l" defTabSz="914400" rtl="0" eaLnBrk="1" latinLnBrk="0" hangingPunct="1">
+              <a:lnSpc>
+                <a:spcPct val="100000"/>
+              </a:lnSpc>
+              <a:spcBef>
+                <a:spcPts val="1000"/>
+              </a:spcBef>
+              <a:buClr>
+                <a:schemeClr val="accent2"/>
+              </a:buClr>
+              <a:buFont typeface="Arial" panose="020B0604020202020204" pitchFamily="34" charset="0"/>
+              <a:buChar char="•"/>
+              <a:defRPr sz="1600" kern="1200">
+                <a:solidFill>
+                  <a:schemeClr val="tx1">
+                    <a:lumMod val="85000"/>
+                    <a:lumOff val="15000"/>
+                  </a:schemeClr>
+                </a:solidFill>
+                <a:latin typeface="+mn-lt"/>
+                <a:ea typeface="+mn-ea"/>
+                <a:cs typeface="+mn-cs"/>
+              </a:defRPr>
+            </a:lvl5pPr>
+            <a:lvl6pPr marL="1312863" indent="-228600" algn="l" defTabSz="914400" rtl="0" eaLnBrk="1" latinLnBrk="0" hangingPunct="1">
+              <a:lnSpc>
+                <a:spcPct val="100000"/>
+              </a:lnSpc>
+              <a:spcBef>
+                <a:spcPts val="1000"/>
+              </a:spcBef>
+              <a:buClr>
+                <a:schemeClr val="accent2"/>
+              </a:buClr>
+              <a:buFont typeface="Arial" panose="020B0604020202020204" pitchFamily="34" charset="0"/>
+              <a:buChar char="•"/>
+              <a:defRPr sz="1600" kern="1200">
+                <a:solidFill>
+                  <a:schemeClr val="tx1"/>
+                </a:solidFill>
+                <a:latin typeface="+mn-lt"/>
+                <a:ea typeface="+mn-ea"/>
+                <a:cs typeface="+mn-cs"/>
+              </a:defRPr>
+            </a:lvl6pPr>
+            <a:lvl7pPr marL="1484313" indent="-228600" algn="l" defTabSz="914400" rtl="0" eaLnBrk="1" latinLnBrk="0" hangingPunct="1">
+              <a:lnSpc>
+                <a:spcPct val="100000"/>
+              </a:lnSpc>
+              <a:spcBef>
+                <a:spcPts val="1000"/>
+              </a:spcBef>
+              <a:buClr>
+                <a:schemeClr val="accent2"/>
+              </a:buClr>
+              <a:buFont typeface="Arial" panose="020B0604020202020204" pitchFamily="34" charset="0"/>
+              <a:buChar char="•"/>
+              <a:defRPr sz="1600" kern="1200">
+                <a:solidFill>
+                  <a:schemeClr val="tx1"/>
+                </a:solidFill>
+                <a:latin typeface="+mn-lt"/>
+                <a:ea typeface="+mn-ea"/>
+                <a:cs typeface="+mn-cs"/>
+              </a:defRPr>
+            </a:lvl7pPr>
+            <a:lvl8pPr marL="1657350" indent="-228600" algn="l" defTabSz="914400" rtl="0" eaLnBrk="1" latinLnBrk="0" hangingPunct="1">
+              <a:lnSpc>
+                <a:spcPct val="100000"/>
+              </a:lnSpc>
+              <a:spcBef>
+                <a:spcPts val="1000"/>
+              </a:spcBef>
+              <a:buClr>
+                <a:schemeClr val="accent2"/>
+              </a:buClr>
+              <a:buFont typeface="Arial" panose="020B0604020202020204" pitchFamily="34" charset="0"/>
+              <a:buChar char="•"/>
+              <a:defRPr sz="1600" kern="1200" baseline="0">
+                <a:solidFill>
+                  <a:schemeClr val="tx1"/>
+                </a:solidFill>
+                <a:latin typeface="+mn-lt"/>
+                <a:ea typeface="+mn-ea"/>
+                <a:cs typeface="+mn-cs"/>
+              </a:defRPr>
+            </a:lvl8pPr>
+            <a:lvl9pPr marL="1882775" indent="-228600" algn="l" defTabSz="914400" rtl="0" eaLnBrk="1" latinLnBrk="0" hangingPunct="1">
+              <a:lnSpc>
+                <a:spcPct val="100000"/>
+              </a:lnSpc>
+              <a:spcBef>
+                <a:spcPts val="1000"/>
+              </a:spcBef>
+              <a:buClr>
+                <a:schemeClr val="accent2"/>
+              </a:buClr>
+              <a:buFont typeface="Arial" panose="020B0604020202020204" pitchFamily="34" charset="0"/>
+              <a:buChar char="•"/>
+              <a:defRPr sz="1600" kern="1200" baseline="0">
+                <a:solidFill>
+                  <a:schemeClr val="tx1"/>
+                </a:solidFill>
+                <a:latin typeface="+mn-lt"/>
+                <a:ea typeface="+mn-ea"/>
+                <a:cs typeface="+mn-cs"/>
+              </a:defRPr>
+            </a:lvl9pPr>
+          </a:lstStyle>
+          <a:p>
+            <a:r>
+              <a:rPr lang="da-DK" dirty="0"/>
+              <a:t>Når det siges at bash er et kommando sprog, vil det sige at Bash har en evne til at fortolke og udføre kommandoer og scripts, som på den måde styrer operativsystemet.</a:t>
+            </a:r>
+          </a:p>
+          <a:p>
+            <a:r>
+              <a:rPr lang="da-DK" dirty="0"/>
+              <a:t>Eksempelvis at oprette, skrive til, redigere eller slette filer.  </a:t>
+            </a:r>
+          </a:p>
+        </p:txBody>
+      </p:sp>
+    </p:spTree>
+    <p:extLst>
+      <p:ext uri="{BB962C8B-B14F-4D97-AF65-F5344CB8AC3E}">
+        <p14:creationId xmlns:p14="http://schemas.microsoft.com/office/powerpoint/2010/main" val="2294643983"/>
+      </p:ext>
+    </p:extLst>
+  </p:cSld>
+  <p:clrMapOvr>
+    <a:masterClrMapping/>
+  </p:clrMapOvr>
+  <p:timing>
+    <p:tnLst>
+      <p:par>
+        <p:cTn id="1" dur="indefinite" restart="never" nodeType="tmRoot">
+          <p:childTnLst>
+            <p:seq concurrent="1" nextAc="seek">
+              <p:cTn id="2" dur="indefinite" nodeType="mainSeq">
+                <p:childTnLst>
+                  <p:par>
+                    <p:cTn id="3" fill="hold">
+                      <p:stCondLst>
+                        <p:cond delay="indefinite"/>
+                      </p:stCondLst>
+                      <p:childTnLst>
+                        <p:par>
+                          <p:cTn id="4" fill="hold">
+                            <p:stCondLst>
+                              <p:cond delay="0"/>
+                            </p:stCondLst>
+                            <p:childTnLst>
+                              <p:par>
+                                <p:cTn id="5" presetID="2" presetClass="entr" presetSubtype="6" fill="hold" grpId="0" nodeType="clickEffect">
+                                  <p:stCondLst>
+                                    <p:cond delay="0"/>
+                                  </p:stCondLst>
+                                  <p:childTnLst>
+                                    <p:set>
+                                      <p:cBhvr>
+                                        <p:cTn id="6" dur="1" fill="hold">
+                                          <p:stCondLst>
+                                            <p:cond delay="0"/>
+                                          </p:stCondLst>
+                                        </p:cTn>
+                                        <p:tgtEl>
+                                          <p:spTgt spid="4">
+                                            <p:txEl>
+                                              <p:pRg st="0" end="0"/>
+                                            </p:txEl>
+                                          </p:spTgt>
+                                        </p:tgtEl>
+                                        <p:attrNameLst>
+                                          <p:attrName>style.visibility</p:attrName>
+                                        </p:attrNameLst>
+                                      </p:cBhvr>
+                                      <p:to>
+                                        <p:strVal val="visible"/>
+                                      </p:to>
+                                    </p:set>
+                                    <p:anim calcmode="lin" valueType="num">
+                                      <p:cBhvr additive="base">
+                                        <p:cTn id="7" dur="500" fill="hold"/>
+                                        <p:tgtEl>
+                                          <p:spTgt spid="4">
+                                            <p:txEl>
+                                              <p:pRg st="0" end="0"/>
+                                            </p:txEl>
+                                          </p:spTgt>
+                                        </p:tgtEl>
+                                        <p:attrNameLst>
+                                          <p:attrName>ppt_x</p:attrName>
+                                        </p:attrNameLst>
+                                      </p:cBhvr>
+                                      <p:tavLst>
+                                        <p:tav tm="0">
+                                          <p:val>
+                                            <p:strVal val="1+#ppt_w/2"/>
+                                          </p:val>
+                                        </p:tav>
+                                        <p:tav tm="100000">
+                                          <p:val>
+                                            <p:strVal val="#ppt_x"/>
+                                          </p:val>
+                                        </p:tav>
+                                      </p:tavLst>
+                                    </p:anim>
+                                    <p:anim calcmode="lin" valueType="num">
+                                      <p:cBhvr additive="base">
+                                        <p:cTn id="8" dur="500" fill="hold"/>
+                                        <p:tgtEl>
+                                          <p:spTgt spid="4">
+                                            <p:txEl>
+                                              <p:pRg st="0" end="0"/>
+                                            </p:txEl>
+                                          </p:spTgt>
+                                        </p:tgtEl>
+                                        <p:attrNameLst>
+                                          <p:attrName>ppt_y</p:attrName>
+                                        </p:attrNameLst>
+                                      </p:cBhvr>
+                                      <p:tavLst>
+                                        <p:tav tm="0">
+                                          <p:val>
+                                            <p:strVal val="1+#ppt_h/2"/>
+                                          </p:val>
+                                        </p:tav>
+                                        <p:tav tm="100000">
+                                          <p:val>
+                                            <p:strVal val="#ppt_y"/>
+                                          </p:val>
+                                        </p:tav>
+                                      </p:tavLst>
+                                    </p:anim>
+                                  </p:childTnLst>
+                                </p:cTn>
+                              </p:par>
+                            </p:childTnLst>
+                          </p:cTn>
+                        </p:par>
+                      </p:childTnLst>
+                    </p:cTn>
+                  </p:par>
+                  <p:par>
+                    <p:cTn id="9" fill="hold">
+                      <p:stCondLst>
+                        <p:cond delay="indefinite"/>
+                      </p:stCondLst>
+                      <p:childTnLst>
+                        <p:par>
+                          <p:cTn id="10" fill="hold">
+                            <p:stCondLst>
+                              <p:cond delay="0"/>
+                            </p:stCondLst>
+                            <p:childTnLst>
+                              <p:par>
+                                <p:cTn id="11" presetID="2" presetClass="entr" presetSubtype="6" fill="hold" grpId="0" nodeType="clickEffect">
+                                  <p:stCondLst>
+                                    <p:cond delay="0"/>
+                                  </p:stCondLst>
+                                  <p:childTnLst>
+                                    <p:set>
+                                      <p:cBhvr>
+                                        <p:cTn id="12" dur="1" fill="hold">
+                                          <p:stCondLst>
+                                            <p:cond delay="0"/>
+                                          </p:stCondLst>
+                                        </p:cTn>
+                                        <p:tgtEl>
+                                          <p:spTgt spid="4">
+                                            <p:txEl>
+                                              <p:pRg st="1" end="1"/>
+                                            </p:txEl>
+                                          </p:spTgt>
+                                        </p:tgtEl>
+                                        <p:attrNameLst>
+                                          <p:attrName>style.visibility</p:attrName>
+                                        </p:attrNameLst>
+                                      </p:cBhvr>
+                                      <p:to>
+                                        <p:strVal val="visible"/>
+                                      </p:to>
+                                    </p:set>
+                                    <p:anim calcmode="lin" valueType="num">
+                                      <p:cBhvr additive="base">
+                                        <p:cTn id="13" dur="500" fill="hold"/>
+                                        <p:tgtEl>
+                                          <p:spTgt spid="4">
+                                            <p:txEl>
+                                              <p:pRg st="1" end="1"/>
+                                            </p:txEl>
+                                          </p:spTgt>
+                                        </p:tgtEl>
+                                        <p:attrNameLst>
+                                          <p:attrName>ppt_x</p:attrName>
+                                        </p:attrNameLst>
+                                      </p:cBhvr>
+                                      <p:tavLst>
+                                        <p:tav tm="0">
+                                          <p:val>
+                                            <p:strVal val="1+#ppt_w/2"/>
+                                          </p:val>
+                                        </p:tav>
+                                        <p:tav tm="100000">
+                                          <p:val>
+                                            <p:strVal val="#ppt_x"/>
+                                          </p:val>
+                                        </p:tav>
+                                      </p:tavLst>
+                                    </p:anim>
+                                    <p:anim calcmode="lin" valueType="num">
+                                      <p:cBhvr additive="base">
+                                        <p:cTn id="14" dur="500" fill="hold"/>
+                                        <p:tgtEl>
+                                          <p:spTgt spid="4">
+                                            <p:txEl>
+                                              <p:pRg st="1" end="1"/>
+                                            </p:txEl>
+                                          </p:spTgt>
+                                        </p:tgtEl>
+                                        <p:attrNameLst>
+                                          <p:attrName>ppt_y</p:attrName>
+                                        </p:attrNameLst>
+                                      </p:cBhvr>
+                                      <p:tavLst>
+                                        <p:tav tm="0">
+                                          <p:val>
+                                            <p:strVal val="1+#ppt_h/2"/>
+                                          </p:val>
+                                        </p:tav>
+                                        <p:tav tm="100000">
+                                          <p:val>
+                                            <p:strVal val="#ppt_y"/>
+                                          </p:val>
+                                        </p:tav>
+                                      </p:tavLst>
+                                    </p:anim>
+                                  </p:childTnLst>
+                                </p:cTn>
+                              </p:par>
+                            </p:childTnLst>
+                          </p:cTn>
+                        </p:par>
+                      </p:childTnLst>
+                    </p:cTn>
+                  </p:par>
+                  <p:par>
+                    <p:cTn id="15" fill="hold">
+                      <p:stCondLst>
+                        <p:cond delay="indefinite"/>
+                      </p:stCondLst>
+                      <p:childTnLst>
+                        <p:par>
+                          <p:cTn id="16" fill="hold">
+                            <p:stCondLst>
+                              <p:cond delay="0"/>
+                            </p:stCondLst>
+                            <p:childTnLst>
+                              <p:par>
+                                <p:cTn id="17" presetID="2" presetClass="entr" presetSubtype="6" fill="hold" grpId="0" nodeType="clickEffect">
+                                  <p:stCondLst>
+                                    <p:cond delay="0"/>
+                                  </p:stCondLst>
+                                  <p:childTnLst>
+                                    <p:set>
+                                      <p:cBhvr>
+                                        <p:cTn id="18" dur="1" fill="hold">
+                                          <p:stCondLst>
+                                            <p:cond delay="0"/>
+                                          </p:stCondLst>
+                                        </p:cTn>
+                                        <p:tgtEl>
+                                          <p:spTgt spid="4">
+                                            <p:txEl>
+                                              <p:pRg st="2" end="2"/>
+                                            </p:txEl>
+                                          </p:spTgt>
+                                        </p:tgtEl>
+                                        <p:attrNameLst>
+                                          <p:attrName>style.visibility</p:attrName>
+                                        </p:attrNameLst>
+                                      </p:cBhvr>
+                                      <p:to>
+                                        <p:strVal val="visible"/>
+                                      </p:to>
+                                    </p:set>
+                                    <p:anim calcmode="lin" valueType="num">
+                                      <p:cBhvr additive="base">
+                                        <p:cTn id="19" dur="500" fill="hold"/>
+                                        <p:tgtEl>
+                                          <p:spTgt spid="4">
+                                            <p:txEl>
+                                              <p:pRg st="2" end="2"/>
+                                            </p:txEl>
+                                          </p:spTgt>
+                                        </p:tgtEl>
+                                        <p:attrNameLst>
+                                          <p:attrName>ppt_x</p:attrName>
+                                        </p:attrNameLst>
+                                      </p:cBhvr>
+                                      <p:tavLst>
+                                        <p:tav tm="0">
+                                          <p:val>
+                                            <p:strVal val="1+#ppt_w/2"/>
+                                          </p:val>
+                                        </p:tav>
+                                        <p:tav tm="100000">
+                                          <p:val>
+                                            <p:strVal val="#ppt_x"/>
+                                          </p:val>
+                                        </p:tav>
+                                      </p:tavLst>
+                                    </p:anim>
+                                    <p:anim calcmode="lin" valueType="num">
+                                      <p:cBhvr additive="base">
+                                        <p:cTn id="20" dur="500" fill="hold"/>
+                                        <p:tgtEl>
+                                          <p:spTgt spid="4">
+                                            <p:txEl>
+                                              <p:pRg st="2" end="2"/>
+                                            </p:txEl>
+                                          </p:spTgt>
+                                        </p:tgtEl>
+                                        <p:attrNameLst>
+                                          <p:attrName>ppt_y</p:attrName>
+                                        </p:attrNameLst>
+                                      </p:cBhvr>
+                                      <p:tavLst>
+                                        <p:tav tm="0">
+                                          <p:val>
+                                            <p:strVal val="1+#ppt_h/2"/>
+                                          </p:val>
+                                        </p:tav>
+                                        <p:tav tm="100000">
+                                          <p:val>
+                                            <p:strVal val="#ppt_y"/>
+                                          </p:val>
+                                        </p:tav>
+                                      </p:tavLst>
+                                    </p:anim>
+                                  </p:childTnLst>
+                                </p:cTn>
+                              </p:par>
+                            </p:childTnLst>
+                          </p:cTn>
+                        </p:par>
+                      </p:childTnLst>
+                    </p:cTn>
+                  </p:par>
+                  <p:par>
+                    <p:cTn id="21" fill="hold">
+                      <p:stCondLst>
+                        <p:cond delay="indefinite"/>
+                      </p:stCondLst>
+                      <p:childTnLst>
+                        <p:par>
+                          <p:cTn id="22" fill="hold">
+                            <p:stCondLst>
+                              <p:cond delay="0"/>
+                            </p:stCondLst>
+                            <p:childTnLst>
+                              <p:par>
+                                <p:cTn id="23" presetID="2" presetClass="entr" presetSubtype="6" fill="hold" grpId="0" nodeType="clickEffect">
+                                  <p:stCondLst>
+                                    <p:cond delay="0"/>
+                                  </p:stCondLst>
+                                  <p:childTnLst>
+                                    <p:set>
+                                      <p:cBhvr>
+                                        <p:cTn id="24" dur="1" fill="hold">
+                                          <p:stCondLst>
+                                            <p:cond delay="0"/>
+                                          </p:stCondLst>
+                                        </p:cTn>
+                                        <p:tgtEl>
+                                          <p:spTgt spid="4">
+                                            <p:txEl>
+                                              <p:pRg st="3" end="3"/>
+                                            </p:txEl>
+                                          </p:spTgt>
+                                        </p:tgtEl>
+                                        <p:attrNameLst>
+                                          <p:attrName>style.visibility</p:attrName>
+                                        </p:attrNameLst>
+                                      </p:cBhvr>
+                                      <p:to>
+                                        <p:strVal val="visible"/>
+                                      </p:to>
+                                    </p:set>
+                                    <p:anim calcmode="lin" valueType="num">
+                                      <p:cBhvr additive="base">
+                                        <p:cTn id="25" dur="500" fill="hold"/>
+                                        <p:tgtEl>
+                                          <p:spTgt spid="4">
+                                            <p:txEl>
+                                              <p:pRg st="3" end="3"/>
+                                            </p:txEl>
+                                          </p:spTgt>
+                                        </p:tgtEl>
+                                        <p:attrNameLst>
+                                          <p:attrName>ppt_x</p:attrName>
+                                        </p:attrNameLst>
+                                      </p:cBhvr>
+                                      <p:tavLst>
+                                        <p:tav tm="0">
+                                          <p:val>
+                                            <p:strVal val="1+#ppt_w/2"/>
+                                          </p:val>
+                                        </p:tav>
+                                        <p:tav tm="100000">
+                                          <p:val>
+                                            <p:strVal val="#ppt_x"/>
+                                          </p:val>
+                                        </p:tav>
+                                      </p:tavLst>
+                                    </p:anim>
+                                    <p:anim calcmode="lin" valueType="num">
+                                      <p:cBhvr additive="base">
+                                        <p:cTn id="26" dur="500" fill="hold"/>
+                                        <p:tgtEl>
+                                          <p:spTgt spid="4">
+                                            <p:txEl>
+                                              <p:pRg st="3" end="3"/>
+                                            </p:txEl>
+                                          </p:spTgt>
+                                        </p:tgtEl>
+                                        <p:attrNameLst>
+                                          <p:attrName>ppt_y</p:attrName>
+                                        </p:attrNameLst>
+                                      </p:cBhvr>
+                                      <p:tavLst>
+                                        <p:tav tm="0">
+                                          <p:val>
+                                            <p:strVal val="1+#ppt_h/2"/>
+                                          </p:val>
+                                        </p:tav>
+                                        <p:tav tm="100000">
+                                          <p:val>
+                                            <p:strVal val="#ppt_y"/>
+                                          </p:val>
+                                        </p:tav>
+                                      </p:tavLst>
+                                    </p:anim>
+                                  </p:childTnLst>
+                                </p:cTn>
+                              </p:par>
+                            </p:childTnLst>
+                          </p:cTn>
+                        </p:par>
+                      </p:childTnLst>
+                    </p:cTn>
+                  </p:par>
+                  <p:par>
+                    <p:cTn id="27" fill="hold">
+                      <p:stCondLst>
+                        <p:cond delay="indefinite"/>
+                      </p:stCondLst>
+                      <p:childTnLst>
+                        <p:par>
+                          <p:cTn id="28" fill="hold">
+                            <p:stCondLst>
+                              <p:cond delay="0"/>
+                            </p:stCondLst>
+                            <p:childTnLst>
+                              <p:par>
+                                <p:cTn id="29" presetID="2" presetClass="exit" presetSubtype="4" fill="hold" grpId="1" nodeType="clickEffect">
+                                  <p:stCondLst>
+                                    <p:cond delay="0"/>
+                                  </p:stCondLst>
+                                  <p:childTnLst>
+                                    <p:anim calcmode="lin" valueType="num">
+                                      <p:cBhvr additive="base">
+                                        <p:cTn id="30" dur="500"/>
+                                        <p:tgtEl>
+                                          <p:spTgt spid="4">
+                                            <p:txEl>
+                                              <p:pRg st="0" end="0"/>
+                                            </p:txEl>
+                                          </p:spTgt>
+                                        </p:tgtEl>
+                                        <p:attrNameLst>
+                                          <p:attrName>ppt_x</p:attrName>
+                                        </p:attrNameLst>
+                                      </p:cBhvr>
+                                      <p:tavLst>
+                                        <p:tav tm="0">
+                                          <p:val>
+                                            <p:strVal val="ppt_x"/>
+                                          </p:val>
+                                        </p:tav>
+                                        <p:tav tm="100000">
+                                          <p:val>
+                                            <p:strVal val="ppt_x"/>
+                                          </p:val>
+                                        </p:tav>
+                                      </p:tavLst>
+                                    </p:anim>
+                                    <p:anim calcmode="lin" valueType="num">
+                                      <p:cBhvr additive="base">
+                                        <p:cTn id="31" dur="500"/>
+                                        <p:tgtEl>
+                                          <p:spTgt spid="4">
+                                            <p:txEl>
+                                              <p:pRg st="0" end="0"/>
+                                            </p:txEl>
+                                          </p:spTgt>
+                                        </p:tgtEl>
+                                        <p:attrNameLst>
+                                          <p:attrName>ppt_y</p:attrName>
+                                        </p:attrNameLst>
+                                      </p:cBhvr>
+                                      <p:tavLst>
+                                        <p:tav tm="0">
+                                          <p:val>
+                                            <p:strVal val="ppt_y"/>
+                                          </p:val>
+                                        </p:tav>
+                                        <p:tav tm="100000">
+                                          <p:val>
+                                            <p:strVal val="1+ppt_h/2"/>
+                                          </p:val>
+                                        </p:tav>
+                                      </p:tavLst>
+                                    </p:anim>
+                                    <p:set>
+                                      <p:cBhvr>
+                                        <p:cTn id="32" dur="1" fill="hold">
+                                          <p:stCondLst>
+                                            <p:cond delay="499"/>
+                                          </p:stCondLst>
+                                        </p:cTn>
+                                        <p:tgtEl>
+                                          <p:spTgt spid="4">
+                                            <p:txEl>
+                                              <p:pRg st="0" end="0"/>
+                                            </p:txEl>
+                                          </p:spTgt>
+                                        </p:tgtEl>
+                                        <p:attrNameLst>
+                                          <p:attrName>style.visibility</p:attrName>
+                                        </p:attrNameLst>
+                                      </p:cBhvr>
+                                      <p:to>
+                                        <p:strVal val="hidden"/>
+                                      </p:to>
+                                    </p:set>
+                                  </p:childTnLst>
+                                </p:cTn>
+                              </p:par>
+                            </p:childTnLst>
+                          </p:cTn>
+                        </p:par>
+                      </p:childTnLst>
+                    </p:cTn>
+                  </p:par>
+                  <p:par>
+                    <p:cTn id="33" fill="hold">
+                      <p:stCondLst>
+                        <p:cond delay="indefinite"/>
+                      </p:stCondLst>
+                      <p:childTnLst>
+                        <p:par>
+                          <p:cTn id="34" fill="hold">
+                            <p:stCondLst>
+                              <p:cond delay="0"/>
+                            </p:stCondLst>
+                            <p:childTnLst>
+                              <p:par>
+                                <p:cTn id="35" presetID="2" presetClass="exit" presetSubtype="4" fill="hold" grpId="1" nodeType="clickEffect">
+                                  <p:stCondLst>
+                                    <p:cond delay="0"/>
+                                  </p:stCondLst>
+                                  <p:childTnLst>
+                                    <p:anim calcmode="lin" valueType="num">
+                                      <p:cBhvr additive="base">
+                                        <p:cTn id="36" dur="500"/>
+                                        <p:tgtEl>
+                                          <p:spTgt spid="4">
+                                            <p:txEl>
+                                              <p:pRg st="1" end="1"/>
+                                            </p:txEl>
+                                          </p:spTgt>
+                                        </p:tgtEl>
+                                        <p:attrNameLst>
+                                          <p:attrName>ppt_x</p:attrName>
+                                        </p:attrNameLst>
+                                      </p:cBhvr>
+                                      <p:tavLst>
+                                        <p:tav tm="0">
+                                          <p:val>
+                                            <p:strVal val="ppt_x"/>
+                                          </p:val>
+                                        </p:tav>
+                                        <p:tav tm="100000">
+                                          <p:val>
+                                            <p:strVal val="ppt_x"/>
+                                          </p:val>
+                                        </p:tav>
+                                      </p:tavLst>
+                                    </p:anim>
+                                    <p:anim calcmode="lin" valueType="num">
+                                      <p:cBhvr additive="base">
+                                        <p:cTn id="37" dur="500"/>
+                                        <p:tgtEl>
+                                          <p:spTgt spid="4">
+                                            <p:txEl>
+                                              <p:pRg st="1" end="1"/>
+                                            </p:txEl>
+                                          </p:spTgt>
+                                        </p:tgtEl>
+                                        <p:attrNameLst>
+                                          <p:attrName>ppt_y</p:attrName>
+                                        </p:attrNameLst>
+                                      </p:cBhvr>
+                                      <p:tavLst>
+                                        <p:tav tm="0">
+                                          <p:val>
+                                            <p:strVal val="ppt_y"/>
+                                          </p:val>
+                                        </p:tav>
+                                        <p:tav tm="100000">
+                                          <p:val>
+                                            <p:strVal val="1+ppt_h/2"/>
+                                          </p:val>
+                                        </p:tav>
+                                      </p:tavLst>
+                                    </p:anim>
+                                    <p:set>
+                                      <p:cBhvr>
+                                        <p:cTn id="38" dur="1" fill="hold">
+                                          <p:stCondLst>
+                                            <p:cond delay="499"/>
+                                          </p:stCondLst>
+                                        </p:cTn>
+                                        <p:tgtEl>
+                                          <p:spTgt spid="4">
+                                            <p:txEl>
+                                              <p:pRg st="1" end="1"/>
+                                            </p:txEl>
+                                          </p:spTgt>
+                                        </p:tgtEl>
+                                        <p:attrNameLst>
+                                          <p:attrName>style.visibility</p:attrName>
+                                        </p:attrNameLst>
+                                      </p:cBhvr>
+                                      <p:to>
+                                        <p:strVal val="hidden"/>
+                                      </p:to>
+                                    </p:set>
+                                  </p:childTnLst>
+                                </p:cTn>
+                              </p:par>
+                            </p:childTnLst>
+                          </p:cTn>
+                        </p:par>
+                      </p:childTnLst>
+                    </p:cTn>
+                  </p:par>
+                  <p:par>
+                    <p:cTn id="39" fill="hold">
+                      <p:stCondLst>
+                        <p:cond delay="indefinite"/>
+                      </p:stCondLst>
+                      <p:childTnLst>
+                        <p:par>
+                          <p:cTn id="40" fill="hold">
+                            <p:stCondLst>
+                              <p:cond delay="0"/>
+                            </p:stCondLst>
+                            <p:childTnLst>
+                              <p:par>
+                                <p:cTn id="41" presetID="2" presetClass="exit" presetSubtype="4" fill="hold" grpId="1" nodeType="clickEffect">
+                                  <p:stCondLst>
+                                    <p:cond delay="0"/>
+                                  </p:stCondLst>
+                                  <p:childTnLst>
+                                    <p:anim calcmode="lin" valueType="num">
+                                      <p:cBhvr additive="base">
+                                        <p:cTn id="42" dur="500"/>
+                                        <p:tgtEl>
+                                          <p:spTgt spid="4">
+                                            <p:txEl>
+                                              <p:pRg st="2" end="2"/>
+                                            </p:txEl>
+                                          </p:spTgt>
+                                        </p:tgtEl>
+                                        <p:attrNameLst>
+                                          <p:attrName>ppt_x</p:attrName>
+                                        </p:attrNameLst>
+                                      </p:cBhvr>
+                                      <p:tavLst>
+                                        <p:tav tm="0">
+                                          <p:val>
+                                            <p:strVal val="ppt_x"/>
+                                          </p:val>
+                                        </p:tav>
+                                        <p:tav tm="100000">
+                                          <p:val>
+                                            <p:strVal val="ppt_x"/>
+                                          </p:val>
+                                        </p:tav>
+                                      </p:tavLst>
+                                    </p:anim>
+                                    <p:anim calcmode="lin" valueType="num">
+                                      <p:cBhvr additive="base">
+                                        <p:cTn id="43" dur="500"/>
+                                        <p:tgtEl>
+                                          <p:spTgt spid="4">
+                                            <p:txEl>
+                                              <p:pRg st="2" end="2"/>
+                                            </p:txEl>
+                                          </p:spTgt>
+                                        </p:tgtEl>
+                                        <p:attrNameLst>
+                                          <p:attrName>ppt_y</p:attrName>
+                                        </p:attrNameLst>
+                                      </p:cBhvr>
+                                      <p:tavLst>
+                                        <p:tav tm="0">
+                                          <p:val>
+                                            <p:strVal val="ppt_y"/>
+                                          </p:val>
+                                        </p:tav>
+                                        <p:tav tm="100000">
+                                          <p:val>
+                                            <p:strVal val="1+ppt_h/2"/>
+                                          </p:val>
+                                        </p:tav>
+                                      </p:tavLst>
+                                    </p:anim>
+                                    <p:set>
+                                      <p:cBhvr>
+                                        <p:cTn id="44" dur="1" fill="hold">
+                                          <p:stCondLst>
+                                            <p:cond delay="499"/>
+                                          </p:stCondLst>
+                                        </p:cTn>
+                                        <p:tgtEl>
+                                          <p:spTgt spid="4">
+                                            <p:txEl>
+                                              <p:pRg st="2" end="2"/>
+                                            </p:txEl>
+                                          </p:spTgt>
+                                        </p:tgtEl>
+                                        <p:attrNameLst>
+                                          <p:attrName>style.visibility</p:attrName>
+                                        </p:attrNameLst>
+                                      </p:cBhvr>
+                                      <p:to>
+                                        <p:strVal val="hidden"/>
+                                      </p:to>
+                                    </p:set>
+                                  </p:childTnLst>
+                                </p:cTn>
+                              </p:par>
+                            </p:childTnLst>
+                          </p:cTn>
+                        </p:par>
+                      </p:childTnLst>
+                    </p:cTn>
+                  </p:par>
+                  <p:par>
+                    <p:cTn id="45" fill="hold">
+                      <p:stCondLst>
+                        <p:cond delay="indefinite"/>
+                      </p:stCondLst>
+                      <p:childTnLst>
+                        <p:par>
+                          <p:cTn id="46" fill="hold">
+                            <p:stCondLst>
+                              <p:cond delay="0"/>
+                            </p:stCondLst>
+                            <p:childTnLst>
+                              <p:par>
+                                <p:cTn id="47" presetID="2" presetClass="exit" presetSubtype="4" fill="hold" grpId="1" nodeType="clickEffect">
+                                  <p:stCondLst>
+                                    <p:cond delay="0"/>
+                                  </p:stCondLst>
+                                  <p:childTnLst>
+                                    <p:anim calcmode="lin" valueType="num">
+                                      <p:cBhvr additive="base">
+                                        <p:cTn id="48" dur="500"/>
+                                        <p:tgtEl>
+                                          <p:spTgt spid="4">
+                                            <p:txEl>
+                                              <p:pRg st="3" end="3"/>
+                                            </p:txEl>
+                                          </p:spTgt>
+                                        </p:tgtEl>
+                                        <p:attrNameLst>
+                                          <p:attrName>ppt_x</p:attrName>
+                                        </p:attrNameLst>
+                                      </p:cBhvr>
+                                      <p:tavLst>
+                                        <p:tav tm="0">
+                                          <p:val>
+                                            <p:strVal val="ppt_x"/>
+                                          </p:val>
+                                        </p:tav>
+                                        <p:tav tm="100000">
+                                          <p:val>
+                                            <p:strVal val="ppt_x"/>
+                                          </p:val>
+                                        </p:tav>
+                                      </p:tavLst>
+                                    </p:anim>
+                                    <p:anim calcmode="lin" valueType="num">
+                                      <p:cBhvr additive="base">
+                                        <p:cTn id="49" dur="500"/>
+                                        <p:tgtEl>
+                                          <p:spTgt spid="4">
+                                            <p:txEl>
+                                              <p:pRg st="3" end="3"/>
+                                            </p:txEl>
+                                          </p:spTgt>
+                                        </p:tgtEl>
+                                        <p:attrNameLst>
+                                          <p:attrName>ppt_y</p:attrName>
+                                        </p:attrNameLst>
+                                      </p:cBhvr>
+                                      <p:tavLst>
+                                        <p:tav tm="0">
+                                          <p:val>
+                                            <p:strVal val="ppt_y"/>
+                                          </p:val>
+                                        </p:tav>
+                                        <p:tav tm="100000">
+                                          <p:val>
+                                            <p:strVal val="1+ppt_h/2"/>
+                                          </p:val>
+                                        </p:tav>
+                                      </p:tavLst>
+                                    </p:anim>
+                                    <p:set>
+                                      <p:cBhvr>
+                                        <p:cTn id="50" dur="1" fill="hold">
+                                          <p:stCondLst>
+                                            <p:cond delay="499"/>
+                                          </p:stCondLst>
+                                        </p:cTn>
+                                        <p:tgtEl>
+                                          <p:spTgt spid="4">
+                                            <p:txEl>
+                                              <p:pRg st="3" end="3"/>
+                                            </p:txEl>
+                                          </p:spTgt>
+                                        </p:tgtEl>
+                                        <p:attrNameLst>
+                                          <p:attrName>style.visibility</p:attrName>
+                                        </p:attrNameLst>
+                                      </p:cBhvr>
+                                      <p:to>
+                                        <p:strVal val="hidden"/>
+                                      </p:to>
+                                    </p:set>
+                                  </p:childTnLst>
+                                </p:cTn>
+                              </p:par>
+                            </p:childTnLst>
+                          </p:cTn>
+                        </p:par>
+                      </p:childTnLst>
+                    </p:cTn>
+                  </p:par>
+                  <p:par>
+                    <p:cTn id="51" fill="hold">
+                      <p:stCondLst>
+                        <p:cond delay="indefinite"/>
+                      </p:stCondLst>
+                      <p:childTnLst>
+                        <p:par>
+                          <p:cTn id="52" fill="hold">
+                            <p:stCondLst>
+                              <p:cond delay="0"/>
+                            </p:stCondLst>
+                            <p:childTnLst>
+                              <p:par>
+                                <p:cTn id="53" presetID="2" presetClass="entr" presetSubtype="6" fill="hold" grpId="0" nodeType="clickEffect">
+                                  <p:stCondLst>
+                                    <p:cond delay="0"/>
+                                  </p:stCondLst>
+                                  <p:childTnLst>
+                                    <p:set>
+                                      <p:cBhvr>
+                                        <p:cTn id="54" dur="1" fill="hold">
+                                          <p:stCondLst>
+                                            <p:cond delay="0"/>
+                                          </p:stCondLst>
+                                        </p:cTn>
+                                        <p:tgtEl>
+                                          <p:spTgt spid="5">
+                                            <p:txEl>
+                                              <p:pRg st="0" end="0"/>
+                                            </p:txEl>
+                                          </p:spTgt>
+                                        </p:tgtEl>
+                                        <p:attrNameLst>
+                                          <p:attrName>style.visibility</p:attrName>
+                                        </p:attrNameLst>
+                                      </p:cBhvr>
+                                      <p:to>
+                                        <p:strVal val="visible"/>
+                                      </p:to>
+                                    </p:set>
+                                    <p:anim calcmode="lin" valueType="num">
+                                      <p:cBhvr additive="base">
+                                        <p:cTn id="55" dur="500" fill="hold"/>
+                                        <p:tgtEl>
+                                          <p:spTgt spid="5">
+                                            <p:txEl>
+                                              <p:pRg st="0" end="0"/>
+                                            </p:txEl>
+                                          </p:spTgt>
+                                        </p:tgtEl>
+                                        <p:attrNameLst>
+                                          <p:attrName>ppt_x</p:attrName>
+                                        </p:attrNameLst>
+                                      </p:cBhvr>
+                                      <p:tavLst>
+                                        <p:tav tm="0">
+                                          <p:val>
+                                            <p:strVal val="1+#ppt_w/2"/>
+                                          </p:val>
+                                        </p:tav>
+                                        <p:tav tm="100000">
+                                          <p:val>
+                                            <p:strVal val="#ppt_x"/>
+                                          </p:val>
+                                        </p:tav>
+                                      </p:tavLst>
+                                    </p:anim>
+                                    <p:anim calcmode="lin" valueType="num">
+                                      <p:cBhvr additive="base">
+                                        <p:cTn id="56" dur="500" fill="hold"/>
+                                        <p:tgtEl>
+                                          <p:spTgt spid="5">
+                                            <p:txEl>
+                                              <p:pRg st="0" end="0"/>
+                                            </p:txEl>
+                                          </p:spTgt>
+                                        </p:tgtEl>
+                                        <p:attrNameLst>
+                                          <p:attrName>ppt_y</p:attrName>
+                                        </p:attrNameLst>
+                                      </p:cBhvr>
+                                      <p:tavLst>
+                                        <p:tav tm="0">
+                                          <p:val>
+                                            <p:strVal val="1+#ppt_h/2"/>
+                                          </p:val>
+                                        </p:tav>
+                                        <p:tav tm="100000">
+                                          <p:val>
+                                            <p:strVal val="#ppt_y"/>
+                                          </p:val>
+                                        </p:tav>
+                                      </p:tavLst>
+                                    </p:anim>
+                                  </p:childTnLst>
+                                </p:cTn>
+                              </p:par>
+                            </p:childTnLst>
+                          </p:cTn>
+                        </p:par>
+                      </p:childTnLst>
+                    </p:cTn>
+                  </p:par>
+                  <p:par>
+                    <p:cTn id="57" fill="hold">
+                      <p:stCondLst>
+                        <p:cond delay="indefinite"/>
+                      </p:stCondLst>
+                      <p:childTnLst>
+                        <p:par>
+                          <p:cTn id="58" fill="hold">
+                            <p:stCondLst>
+                              <p:cond delay="0"/>
+                            </p:stCondLst>
+                            <p:childTnLst>
+                              <p:par>
+                                <p:cTn id="59" presetID="2" presetClass="entr" presetSubtype="6" fill="hold" grpId="0" nodeType="clickEffect">
+                                  <p:stCondLst>
+                                    <p:cond delay="0"/>
+                                  </p:stCondLst>
+                                  <p:childTnLst>
+                                    <p:set>
+                                      <p:cBhvr>
+                                        <p:cTn id="60" dur="1" fill="hold">
+                                          <p:stCondLst>
+                                            <p:cond delay="0"/>
+                                          </p:stCondLst>
+                                        </p:cTn>
+                                        <p:tgtEl>
+                                          <p:spTgt spid="5">
+                                            <p:txEl>
+                                              <p:pRg st="1" end="1"/>
+                                            </p:txEl>
+                                          </p:spTgt>
+                                        </p:tgtEl>
+                                        <p:attrNameLst>
+                                          <p:attrName>style.visibility</p:attrName>
+                                        </p:attrNameLst>
+                                      </p:cBhvr>
+                                      <p:to>
+                                        <p:strVal val="visible"/>
+                                      </p:to>
+                                    </p:set>
+                                    <p:anim calcmode="lin" valueType="num">
+                                      <p:cBhvr additive="base">
+                                        <p:cTn id="61" dur="500" fill="hold"/>
+                                        <p:tgtEl>
+                                          <p:spTgt spid="5">
+                                            <p:txEl>
+                                              <p:pRg st="1" end="1"/>
+                                            </p:txEl>
+                                          </p:spTgt>
+                                        </p:tgtEl>
+                                        <p:attrNameLst>
+                                          <p:attrName>ppt_x</p:attrName>
+                                        </p:attrNameLst>
+                                      </p:cBhvr>
+                                      <p:tavLst>
+                                        <p:tav tm="0">
+                                          <p:val>
+                                            <p:strVal val="1+#ppt_w/2"/>
+                                          </p:val>
+                                        </p:tav>
+                                        <p:tav tm="100000">
+                                          <p:val>
+                                            <p:strVal val="#ppt_x"/>
+                                          </p:val>
+                                        </p:tav>
+                                      </p:tavLst>
+                                    </p:anim>
+                                    <p:anim calcmode="lin" valueType="num">
+                                      <p:cBhvr additive="base">
+                                        <p:cTn id="62" dur="500" fill="hold"/>
+                                        <p:tgtEl>
+                                          <p:spTgt spid="5">
+                                            <p:txEl>
+                                              <p:pRg st="1" end="1"/>
+                                            </p:txEl>
+                                          </p:spTgt>
+                                        </p:tgtEl>
+                                        <p:attrNameLst>
+                                          <p:attrName>ppt_y</p:attrName>
+                                        </p:attrNameLst>
+                                      </p:cBhvr>
+                                      <p:tavLst>
+                                        <p:tav tm="0">
+                                          <p:val>
+                                            <p:strVal val="1+#ppt_h/2"/>
+                                          </p:val>
+                                        </p:tav>
+                                        <p:tav tm="100000">
+                                          <p:val>
+                                            <p:strVal val="#ppt_y"/>
+                                          </p:val>
+                                        </p:tav>
+                                      </p:tavLst>
+                                    </p:anim>
+                                  </p:childTnLst>
+                                </p:cTn>
+                              </p:par>
+                            </p:childTnLst>
+                          </p:cTn>
+                        </p:par>
+                      </p:childTnLst>
+                    </p:cTn>
+                  </p:par>
+                  <p:par>
+                    <p:cTn id="63" fill="hold">
+                      <p:stCondLst>
+                        <p:cond delay="indefinite"/>
+                      </p:stCondLst>
+                      <p:childTnLst>
+                        <p:par>
+                          <p:cTn id="64" fill="hold">
+                            <p:stCondLst>
+                              <p:cond delay="0"/>
+                            </p:stCondLst>
+                            <p:childTnLst>
+                              <p:par>
+                                <p:cTn id="65" presetID="2" presetClass="entr" presetSubtype="6" fill="hold" grpId="0" nodeType="clickEffect">
+                                  <p:stCondLst>
+                                    <p:cond delay="0"/>
+                                  </p:stCondLst>
+                                  <p:childTnLst>
+                                    <p:set>
+                                      <p:cBhvr>
+                                        <p:cTn id="66" dur="1" fill="hold">
+                                          <p:stCondLst>
+                                            <p:cond delay="0"/>
+                                          </p:stCondLst>
+                                        </p:cTn>
+                                        <p:tgtEl>
+                                          <p:spTgt spid="5">
+                                            <p:txEl>
+                                              <p:pRg st="2" end="2"/>
+                                            </p:txEl>
+                                          </p:spTgt>
+                                        </p:tgtEl>
+                                        <p:attrNameLst>
+                                          <p:attrName>style.visibility</p:attrName>
+                                        </p:attrNameLst>
+                                      </p:cBhvr>
+                                      <p:to>
+                                        <p:strVal val="visible"/>
+                                      </p:to>
+                                    </p:set>
+                                    <p:anim calcmode="lin" valueType="num">
+                                      <p:cBhvr additive="base">
+                                        <p:cTn id="67" dur="500" fill="hold"/>
+                                        <p:tgtEl>
+                                          <p:spTgt spid="5">
+                                            <p:txEl>
+                                              <p:pRg st="2" end="2"/>
+                                            </p:txEl>
+                                          </p:spTgt>
+                                        </p:tgtEl>
+                                        <p:attrNameLst>
+                                          <p:attrName>ppt_x</p:attrName>
+                                        </p:attrNameLst>
+                                      </p:cBhvr>
+                                      <p:tavLst>
+                                        <p:tav tm="0">
+                                          <p:val>
+                                            <p:strVal val="1+#ppt_w/2"/>
+                                          </p:val>
+                                        </p:tav>
+                                        <p:tav tm="100000">
+                                          <p:val>
+                                            <p:strVal val="#ppt_x"/>
+                                          </p:val>
+                                        </p:tav>
+                                      </p:tavLst>
+                                    </p:anim>
+                                    <p:anim calcmode="lin" valueType="num">
+                                      <p:cBhvr additive="base">
+                                        <p:cTn id="68" dur="500" fill="hold"/>
+                                        <p:tgtEl>
+                                          <p:spTgt spid="5">
+                                            <p:txEl>
+                                              <p:pRg st="2" end="2"/>
+                                            </p:txEl>
+                                          </p:spTgt>
+                                        </p:tgtEl>
+                                        <p:attrNameLst>
+                                          <p:attrName>ppt_y</p:attrName>
+                                        </p:attrNameLst>
+                                      </p:cBhvr>
+                                      <p:tavLst>
+                                        <p:tav tm="0">
+                                          <p:val>
+                                            <p:strVal val="1+#ppt_h/2"/>
+                                          </p:val>
+                                        </p:tav>
+                                        <p:tav tm="100000">
+                                          <p:val>
+                                            <p:strVal val="#ppt_y"/>
+                                          </p:val>
+                                        </p:tav>
+                                      </p:tavLst>
+                                    </p:anim>
+                                  </p:childTnLst>
+                                </p:cTn>
+                              </p:par>
+                            </p:childTnLst>
+                          </p:cTn>
+                        </p:par>
+                      </p:childTnLst>
+                    </p:cTn>
+                  </p:par>
+                  <p:par>
+                    <p:cTn id="69" fill="hold">
+                      <p:stCondLst>
+                        <p:cond delay="indefinite"/>
+                      </p:stCondLst>
+                      <p:childTnLst>
+                        <p:par>
+                          <p:cTn id="70" fill="hold">
+                            <p:stCondLst>
+                              <p:cond delay="0"/>
+                            </p:stCondLst>
+                            <p:childTnLst>
+                              <p:par>
+                                <p:cTn id="71" presetID="2" presetClass="exit" presetSubtype="4" fill="hold" grpId="1" nodeType="clickEffect">
+                                  <p:stCondLst>
+                                    <p:cond delay="0"/>
+                                  </p:stCondLst>
+                                  <p:childTnLst>
+                                    <p:anim calcmode="lin" valueType="num">
+                                      <p:cBhvr additive="base">
+                                        <p:cTn id="72" dur="500"/>
+                                        <p:tgtEl>
+                                          <p:spTgt spid="5">
+                                            <p:txEl>
+                                              <p:pRg st="0" end="0"/>
+                                            </p:txEl>
+                                          </p:spTgt>
+                                        </p:tgtEl>
+                                        <p:attrNameLst>
+                                          <p:attrName>ppt_x</p:attrName>
+                                        </p:attrNameLst>
+                                      </p:cBhvr>
+                                      <p:tavLst>
+                                        <p:tav tm="0">
+                                          <p:val>
+                                            <p:strVal val="ppt_x"/>
+                                          </p:val>
+                                        </p:tav>
+                                        <p:tav tm="100000">
+                                          <p:val>
+                                            <p:strVal val="ppt_x"/>
+                                          </p:val>
+                                        </p:tav>
+                                      </p:tavLst>
+                                    </p:anim>
+                                    <p:anim calcmode="lin" valueType="num">
+                                      <p:cBhvr additive="base">
+                                        <p:cTn id="73" dur="500"/>
+                                        <p:tgtEl>
+                                          <p:spTgt spid="5">
+                                            <p:txEl>
+                                              <p:pRg st="0" end="0"/>
+                                            </p:txEl>
+                                          </p:spTgt>
+                                        </p:tgtEl>
+                                        <p:attrNameLst>
+                                          <p:attrName>ppt_y</p:attrName>
+                                        </p:attrNameLst>
+                                      </p:cBhvr>
+                                      <p:tavLst>
+                                        <p:tav tm="0">
+                                          <p:val>
+                                            <p:strVal val="ppt_y"/>
+                                          </p:val>
+                                        </p:tav>
+                                        <p:tav tm="100000">
+                                          <p:val>
+                                            <p:strVal val="1+ppt_h/2"/>
+                                          </p:val>
+                                        </p:tav>
+                                      </p:tavLst>
+                                    </p:anim>
+                                    <p:set>
+                                      <p:cBhvr>
+                                        <p:cTn id="74" dur="1" fill="hold">
+                                          <p:stCondLst>
+                                            <p:cond delay="499"/>
+                                          </p:stCondLst>
+                                        </p:cTn>
+                                        <p:tgtEl>
+                                          <p:spTgt spid="5">
+                                            <p:txEl>
+                                              <p:pRg st="0" end="0"/>
+                                            </p:txEl>
+                                          </p:spTgt>
+                                        </p:tgtEl>
+                                        <p:attrNameLst>
+                                          <p:attrName>style.visibility</p:attrName>
+                                        </p:attrNameLst>
+                                      </p:cBhvr>
+                                      <p:to>
+                                        <p:strVal val="hidden"/>
+                                      </p:to>
+                                    </p:set>
+                                  </p:childTnLst>
+                                </p:cTn>
+                              </p:par>
+                            </p:childTnLst>
+                          </p:cTn>
+                        </p:par>
+                      </p:childTnLst>
+                    </p:cTn>
+                  </p:par>
+                  <p:par>
+                    <p:cTn id="75" fill="hold">
+                      <p:stCondLst>
+                        <p:cond delay="indefinite"/>
+                      </p:stCondLst>
+                      <p:childTnLst>
+                        <p:par>
+                          <p:cTn id="76" fill="hold">
+                            <p:stCondLst>
+                              <p:cond delay="0"/>
+                            </p:stCondLst>
+                            <p:childTnLst>
+                              <p:par>
+                                <p:cTn id="77" presetID="2" presetClass="exit" presetSubtype="4" fill="hold" grpId="1" nodeType="clickEffect">
+                                  <p:stCondLst>
+                                    <p:cond delay="0"/>
+                                  </p:stCondLst>
+                                  <p:childTnLst>
+                                    <p:anim calcmode="lin" valueType="num">
+                                      <p:cBhvr additive="base">
+                                        <p:cTn id="78" dur="500"/>
+                                        <p:tgtEl>
+                                          <p:spTgt spid="5">
+                                            <p:txEl>
+                                              <p:pRg st="1" end="1"/>
+                                            </p:txEl>
+                                          </p:spTgt>
+                                        </p:tgtEl>
+                                        <p:attrNameLst>
+                                          <p:attrName>ppt_x</p:attrName>
+                                        </p:attrNameLst>
+                                      </p:cBhvr>
+                                      <p:tavLst>
+                                        <p:tav tm="0">
+                                          <p:val>
+                                            <p:strVal val="ppt_x"/>
+                                          </p:val>
+                                        </p:tav>
+                                        <p:tav tm="100000">
+                                          <p:val>
+                                            <p:strVal val="ppt_x"/>
+                                          </p:val>
+                                        </p:tav>
+                                      </p:tavLst>
+                                    </p:anim>
+                                    <p:anim calcmode="lin" valueType="num">
+                                      <p:cBhvr additive="base">
+                                        <p:cTn id="79" dur="500"/>
+                                        <p:tgtEl>
+                                          <p:spTgt spid="5">
+                                            <p:txEl>
+                                              <p:pRg st="1" end="1"/>
+                                            </p:txEl>
+                                          </p:spTgt>
+                                        </p:tgtEl>
+                                        <p:attrNameLst>
+                                          <p:attrName>ppt_y</p:attrName>
+                                        </p:attrNameLst>
+                                      </p:cBhvr>
+                                      <p:tavLst>
+                                        <p:tav tm="0">
+                                          <p:val>
+                                            <p:strVal val="ppt_y"/>
+                                          </p:val>
+                                        </p:tav>
+                                        <p:tav tm="100000">
+                                          <p:val>
+                                            <p:strVal val="1+ppt_h/2"/>
+                                          </p:val>
+                                        </p:tav>
+                                      </p:tavLst>
+                                    </p:anim>
+                                    <p:set>
+                                      <p:cBhvr>
+                                        <p:cTn id="80" dur="1" fill="hold">
+                                          <p:stCondLst>
+                                            <p:cond delay="499"/>
+                                          </p:stCondLst>
+                                        </p:cTn>
+                                        <p:tgtEl>
+                                          <p:spTgt spid="5">
+                                            <p:txEl>
+                                              <p:pRg st="1" end="1"/>
+                                            </p:txEl>
+                                          </p:spTgt>
+                                        </p:tgtEl>
+                                        <p:attrNameLst>
+                                          <p:attrName>style.visibility</p:attrName>
+                                        </p:attrNameLst>
+                                      </p:cBhvr>
+                                      <p:to>
+                                        <p:strVal val="hidden"/>
+                                      </p:to>
+                                    </p:set>
+                                  </p:childTnLst>
+                                </p:cTn>
+                              </p:par>
+                            </p:childTnLst>
+                          </p:cTn>
+                        </p:par>
+                      </p:childTnLst>
+                    </p:cTn>
+                  </p:par>
+                  <p:par>
+                    <p:cTn id="81" fill="hold">
+                      <p:stCondLst>
+                        <p:cond delay="indefinite"/>
+                      </p:stCondLst>
+                      <p:childTnLst>
+                        <p:par>
+                          <p:cTn id="82" fill="hold">
+                            <p:stCondLst>
+                              <p:cond delay="0"/>
+                            </p:stCondLst>
+                            <p:childTnLst>
+                              <p:par>
+                                <p:cTn id="83" presetID="2" presetClass="exit" presetSubtype="4" fill="hold" grpId="1" nodeType="clickEffect">
+                                  <p:stCondLst>
+                                    <p:cond delay="0"/>
+                                  </p:stCondLst>
+                                  <p:childTnLst>
+                                    <p:anim calcmode="lin" valueType="num">
+                                      <p:cBhvr additive="base">
+                                        <p:cTn id="84" dur="500"/>
+                                        <p:tgtEl>
+                                          <p:spTgt spid="5">
+                                            <p:txEl>
+                                              <p:pRg st="2" end="2"/>
+                                            </p:txEl>
+                                          </p:spTgt>
+                                        </p:tgtEl>
+                                        <p:attrNameLst>
+                                          <p:attrName>ppt_x</p:attrName>
+                                        </p:attrNameLst>
+                                      </p:cBhvr>
+                                      <p:tavLst>
+                                        <p:tav tm="0">
+                                          <p:val>
+                                            <p:strVal val="ppt_x"/>
+                                          </p:val>
+                                        </p:tav>
+                                        <p:tav tm="100000">
+                                          <p:val>
+                                            <p:strVal val="ppt_x"/>
+                                          </p:val>
+                                        </p:tav>
+                                      </p:tavLst>
+                                    </p:anim>
+                                    <p:anim calcmode="lin" valueType="num">
+                                      <p:cBhvr additive="base">
+                                        <p:cTn id="85" dur="500"/>
+                                        <p:tgtEl>
+                                          <p:spTgt spid="5">
+                                            <p:txEl>
+                                              <p:pRg st="2" end="2"/>
+                                            </p:txEl>
+                                          </p:spTgt>
+                                        </p:tgtEl>
+                                        <p:attrNameLst>
+                                          <p:attrName>ppt_y</p:attrName>
+                                        </p:attrNameLst>
+                                      </p:cBhvr>
+                                      <p:tavLst>
+                                        <p:tav tm="0">
+                                          <p:val>
+                                            <p:strVal val="ppt_y"/>
+                                          </p:val>
+                                        </p:tav>
+                                        <p:tav tm="100000">
+                                          <p:val>
+                                            <p:strVal val="1+ppt_h/2"/>
+                                          </p:val>
+                                        </p:tav>
+                                      </p:tavLst>
+                                    </p:anim>
+                                    <p:set>
+                                      <p:cBhvr>
+                                        <p:cTn id="86" dur="1" fill="hold">
+                                          <p:stCondLst>
+                                            <p:cond delay="499"/>
+                                          </p:stCondLst>
+                                        </p:cTn>
+                                        <p:tgtEl>
+                                          <p:spTgt spid="5">
+                                            <p:txEl>
+                                              <p:pRg st="2" end="2"/>
+                                            </p:txEl>
+                                          </p:spTgt>
+                                        </p:tgtEl>
+                                        <p:attrNameLst>
+                                          <p:attrName>style.visibility</p:attrName>
+                                        </p:attrNameLst>
+                                      </p:cBhvr>
+                                      <p:to>
+                                        <p:strVal val="hidden"/>
+                                      </p:to>
+                                    </p:set>
+                                  </p:childTnLst>
+                                </p:cTn>
+                              </p:par>
+                            </p:childTnLst>
+                          </p:cTn>
+                        </p:par>
+                      </p:childTnLst>
+                    </p:cTn>
+                  </p:par>
+                  <p:par>
+                    <p:cTn id="87" fill="hold">
+                      <p:stCondLst>
+                        <p:cond delay="indefinite"/>
+                      </p:stCondLst>
+                      <p:childTnLst>
+                        <p:par>
+                          <p:cTn id="88" fill="hold">
+                            <p:stCondLst>
+                              <p:cond delay="0"/>
+                            </p:stCondLst>
+                            <p:childTnLst>
+                              <p:par>
+                                <p:cTn id="89" presetID="2" presetClass="entr" presetSubtype="6" fill="hold" grpId="0" nodeType="clickEffect">
+                                  <p:stCondLst>
+                                    <p:cond delay="0"/>
+                                  </p:stCondLst>
+                                  <p:childTnLst>
+                                    <p:set>
+                                      <p:cBhvr>
+                                        <p:cTn id="90" dur="1" fill="hold">
+                                          <p:stCondLst>
+                                            <p:cond delay="0"/>
+                                          </p:stCondLst>
+                                        </p:cTn>
+                                        <p:tgtEl>
+                                          <p:spTgt spid="6">
+                                            <p:txEl>
+                                              <p:pRg st="0" end="0"/>
+                                            </p:txEl>
+                                          </p:spTgt>
+                                        </p:tgtEl>
+                                        <p:attrNameLst>
+                                          <p:attrName>style.visibility</p:attrName>
+                                        </p:attrNameLst>
+                                      </p:cBhvr>
+                                      <p:to>
+                                        <p:strVal val="visible"/>
+                                      </p:to>
+                                    </p:set>
+                                    <p:anim calcmode="lin" valueType="num">
+                                      <p:cBhvr additive="base">
+                                        <p:cTn id="91" dur="500" fill="hold"/>
+                                        <p:tgtEl>
+                                          <p:spTgt spid="6">
+                                            <p:txEl>
+                                              <p:pRg st="0" end="0"/>
+                                            </p:txEl>
+                                          </p:spTgt>
+                                        </p:tgtEl>
+                                        <p:attrNameLst>
+                                          <p:attrName>ppt_x</p:attrName>
+                                        </p:attrNameLst>
+                                      </p:cBhvr>
+                                      <p:tavLst>
+                                        <p:tav tm="0">
+                                          <p:val>
+                                            <p:strVal val="1+#ppt_w/2"/>
+                                          </p:val>
+                                        </p:tav>
+                                        <p:tav tm="100000">
+                                          <p:val>
+                                            <p:strVal val="#ppt_x"/>
+                                          </p:val>
+                                        </p:tav>
+                                      </p:tavLst>
+                                    </p:anim>
+                                    <p:anim calcmode="lin" valueType="num">
+                                      <p:cBhvr additive="base">
+                                        <p:cTn id="92" dur="500" fill="hold"/>
+                                        <p:tgtEl>
+                                          <p:spTgt spid="6">
+                                            <p:txEl>
+                                              <p:pRg st="0" end="0"/>
+                                            </p:txEl>
+                                          </p:spTgt>
+                                        </p:tgtEl>
+                                        <p:attrNameLst>
+                                          <p:attrName>ppt_y</p:attrName>
+                                        </p:attrNameLst>
+                                      </p:cBhvr>
+                                      <p:tavLst>
+                                        <p:tav tm="0">
+                                          <p:val>
+                                            <p:strVal val="1+#ppt_h/2"/>
+                                          </p:val>
+                                        </p:tav>
+                                        <p:tav tm="100000">
+                                          <p:val>
+                                            <p:strVal val="#ppt_y"/>
+                                          </p:val>
+                                        </p:tav>
+                                      </p:tavLst>
+                                    </p:anim>
+                                  </p:childTnLst>
+                                </p:cTn>
+                              </p:par>
+                            </p:childTnLst>
+                          </p:cTn>
+                        </p:par>
+                      </p:childTnLst>
+                    </p:cTn>
+                  </p:par>
+                  <p:par>
+                    <p:cTn id="93" fill="hold">
+                      <p:stCondLst>
+                        <p:cond delay="indefinite"/>
+                      </p:stCondLst>
+                      <p:childTnLst>
+                        <p:par>
+                          <p:cTn id="94" fill="hold">
+                            <p:stCondLst>
+                              <p:cond delay="0"/>
+                            </p:stCondLst>
+                            <p:childTnLst>
+                              <p:par>
+                                <p:cTn id="95" presetID="2" presetClass="entr" presetSubtype="6" fill="hold" grpId="0" nodeType="clickEffect">
+                                  <p:stCondLst>
+                                    <p:cond delay="0"/>
+                                  </p:stCondLst>
+                                  <p:childTnLst>
+                                    <p:set>
+                                      <p:cBhvr>
+                                        <p:cTn id="96" dur="1" fill="hold">
+                                          <p:stCondLst>
+                                            <p:cond delay="0"/>
+                                          </p:stCondLst>
+                                        </p:cTn>
+                                        <p:tgtEl>
+                                          <p:spTgt spid="6">
+                                            <p:txEl>
+                                              <p:pRg st="1" end="1"/>
+                                            </p:txEl>
+                                          </p:spTgt>
+                                        </p:tgtEl>
+                                        <p:attrNameLst>
+                                          <p:attrName>style.visibility</p:attrName>
+                                        </p:attrNameLst>
+                                      </p:cBhvr>
+                                      <p:to>
+                                        <p:strVal val="visible"/>
+                                      </p:to>
+                                    </p:set>
+                                    <p:anim calcmode="lin" valueType="num">
+                                      <p:cBhvr additive="base">
+                                        <p:cTn id="97" dur="500" fill="hold"/>
+                                        <p:tgtEl>
+                                          <p:spTgt spid="6">
+                                            <p:txEl>
+                                              <p:pRg st="1" end="1"/>
+                                            </p:txEl>
+                                          </p:spTgt>
+                                        </p:tgtEl>
+                                        <p:attrNameLst>
+                                          <p:attrName>ppt_x</p:attrName>
+                                        </p:attrNameLst>
+                                      </p:cBhvr>
+                                      <p:tavLst>
+                                        <p:tav tm="0">
+                                          <p:val>
+                                            <p:strVal val="1+#ppt_w/2"/>
+                                          </p:val>
+                                        </p:tav>
+                                        <p:tav tm="100000">
+                                          <p:val>
+                                            <p:strVal val="#ppt_x"/>
+                                          </p:val>
+                                        </p:tav>
+                                      </p:tavLst>
+                                    </p:anim>
+                                    <p:anim calcmode="lin" valueType="num">
+                                      <p:cBhvr additive="base">
+                                        <p:cTn id="98" dur="500" fill="hold"/>
+                                        <p:tgtEl>
+                                          <p:spTgt spid="6">
+                                            <p:txEl>
+                                              <p:pRg st="1" end="1"/>
+                                            </p:txEl>
+                                          </p:spTgt>
+                                        </p:tgtEl>
+                                        <p:attrNameLst>
+                                          <p:attrName>ppt_y</p:attrName>
+                                        </p:attrNameLst>
+                                      </p:cBhvr>
+                                      <p:tavLst>
+                                        <p:tav tm="0">
+                                          <p:val>
+                                            <p:strVal val="1+#ppt_h/2"/>
+                                          </p:val>
+                                        </p:tav>
+                                        <p:tav tm="100000">
+                                          <p:val>
+                                            <p:strVal val="#ppt_y"/>
+                                          </p:val>
+                                        </p:tav>
+                                      </p:tavLst>
+                                    </p:anim>
+                                  </p:childTnLst>
+                                </p:cTn>
+                              </p:par>
+                            </p:childTnLst>
+                          </p:cTn>
+                        </p:par>
+                      </p:childTnLst>
+                    </p:cTn>
+                  </p:par>
+                  <p:par>
+                    <p:cTn id="99" fill="hold">
+                      <p:stCondLst>
+                        <p:cond delay="indefinite"/>
+                      </p:stCondLst>
+                      <p:childTnLst>
+                        <p:par>
+                          <p:cTn id="100" fill="hold">
+                            <p:stCondLst>
+                              <p:cond delay="0"/>
+                            </p:stCondLst>
+                            <p:childTnLst>
+                              <p:par>
+                                <p:cTn id="101" presetID="2" presetClass="exit" presetSubtype="4" fill="hold" grpId="1" nodeType="clickEffect">
+                                  <p:stCondLst>
+                                    <p:cond delay="0"/>
+                                  </p:stCondLst>
+                                  <p:childTnLst>
+                                    <p:anim calcmode="lin" valueType="num">
+                                      <p:cBhvr additive="base">
+                                        <p:cTn id="102" dur="500"/>
+                                        <p:tgtEl>
+                                          <p:spTgt spid="6">
+                                            <p:txEl>
+                                              <p:pRg st="0" end="0"/>
+                                            </p:txEl>
+                                          </p:spTgt>
+                                        </p:tgtEl>
+                                        <p:attrNameLst>
+                                          <p:attrName>ppt_x</p:attrName>
+                                        </p:attrNameLst>
+                                      </p:cBhvr>
+                                      <p:tavLst>
+                                        <p:tav tm="0">
+                                          <p:val>
+                                            <p:strVal val="ppt_x"/>
+                                          </p:val>
+                                        </p:tav>
+                                        <p:tav tm="100000">
+                                          <p:val>
+                                            <p:strVal val="ppt_x"/>
+                                          </p:val>
+                                        </p:tav>
+                                      </p:tavLst>
+                                    </p:anim>
+                                    <p:anim calcmode="lin" valueType="num">
+                                      <p:cBhvr additive="base">
+                                        <p:cTn id="103" dur="500"/>
+                                        <p:tgtEl>
+                                          <p:spTgt spid="6">
+                                            <p:txEl>
+                                              <p:pRg st="0" end="0"/>
+                                            </p:txEl>
+                                          </p:spTgt>
+                                        </p:tgtEl>
+                                        <p:attrNameLst>
+                                          <p:attrName>ppt_y</p:attrName>
+                                        </p:attrNameLst>
+                                      </p:cBhvr>
+                                      <p:tavLst>
+                                        <p:tav tm="0">
+                                          <p:val>
+                                            <p:strVal val="ppt_y"/>
+                                          </p:val>
+                                        </p:tav>
+                                        <p:tav tm="100000">
+                                          <p:val>
+                                            <p:strVal val="1+ppt_h/2"/>
+                                          </p:val>
+                                        </p:tav>
+                                      </p:tavLst>
+                                    </p:anim>
+                                    <p:set>
+                                      <p:cBhvr>
+                                        <p:cTn id="104" dur="1" fill="hold">
+                                          <p:stCondLst>
+                                            <p:cond delay="499"/>
+                                          </p:stCondLst>
+                                        </p:cTn>
+                                        <p:tgtEl>
+                                          <p:spTgt spid="6">
+                                            <p:txEl>
+                                              <p:pRg st="0" end="0"/>
+                                            </p:txEl>
+                                          </p:spTgt>
+                                        </p:tgtEl>
+                                        <p:attrNameLst>
+                                          <p:attrName>style.visibility</p:attrName>
+                                        </p:attrNameLst>
+                                      </p:cBhvr>
+                                      <p:to>
+                                        <p:strVal val="hidden"/>
+                                      </p:to>
+                                    </p:set>
+                                  </p:childTnLst>
+                                </p:cTn>
+                              </p:par>
+                            </p:childTnLst>
+                          </p:cTn>
+                        </p:par>
+                      </p:childTnLst>
+                    </p:cTn>
+                  </p:par>
+                  <p:par>
+                    <p:cTn id="105" fill="hold">
+                      <p:stCondLst>
+                        <p:cond delay="indefinite"/>
+                      </p:stCondLst>
+                      <p:childTnLst>
+                        <p:par>
+                          <p:cTn id="106" fill="hold">
+                            <p:stCondLst>
+                              <p:cond delay="0"/>
+                            </p:stCondLst>
+                            <p:childTnLst>
+                              <p:par>
+                                <p:cTn id="107" presetID="2" presetClass="exit" presetSubtype="4" fill="hold" grpId="1" nodeType="clickEffect">
+                                  <p:stCondLst>
+                                    <p:cond delay="0"/>
+                                  </p:stCondLst>
+                                  <p:childTnLst>
+                                    <p:anim calcmode="lin" valueType="num">
+                                      <p:cBhvr additive="base">
+                                        <p:cTn id="108" dur="500"/>
+                                        <p:tgtEl>
+                                          <p:spTgt spid="6">
+                                            <p:txEl>
+                                              <p:pRg st="1" end="1"/>
+                                            </p:txEl>
+                                          </p:spTgt>
+                                        </p:tgtEl>
+                                        <p:attrNameLst>
+                                          <p:attrName>ppt_x</p:attrName>
+                                        </p:attrNameLst>
+                                      </p:cBhvr>
+                                      <p:tavLst>
+                                        <p:tav tm="0">
+                                          <p:val>
+                                            <p:strVal val="ppt_x"/>
+                                          </p:val>
+                                        </p:tav>
+                                        <p:tav tm="100000">
+                                          <p:val>
+                                            <p:strVal val="ppt_x"/>
+                                          </p:val>
+                                        </p:tav>
+                                      </p:tavLst>
+                                    </p:anim>
+                                    <p:anim calcmode="lin" valueType="num">
+                                      <p:cBhvr additive="base">
+                                        <p:cTn id="109" dur="500"/>
+                                        <p:tgtEl>
+                                          <p:spTgt spid="6">
+                                            <p:txEl>
+                                              <p:pRg st="1" end="1"/>
+                                            </p:txEl>
+                                          </p:spTgt>
+                                        </p:tgtEl>
+                                        <p:attrNameLst>
+                                          <p:attrName>ppt_y</p:attrName>
+                                        </p:attrNameLst>
+                                      </p:cBhvr>
+                                      <p:tavLst>
+                                        <p:tav tm="0">
+                                          <p:val>
+                                            <p:strVal val="ppt_y"/>
+                                          </p:val>
+                                        </p:tav>
+                                        <p:tav tm="100000">
+                                          <p:val>
+                                            <p:strVal val="1+ppt_h/2"/>
+                                          </p:val>
+                                        </p:tav>
+                                      </p:tavLst>
+                                    </p:anim>
+                                    <p:set>
+                                      <p:cBhvr>
+                                        <p:cTn id="110" dur="1" fill="hold">
+                                          <p:stCondLst>
+                                            <p:cond delay="499"/>
+                                          </p:stCondLst>
+                                        </p:cTn>
+                                        <p:tgtEl>
+                                          <p:spTgt spid="6">
+                                            <p:txEl>
+                                              <p:pRg st="1" end="1"/>
+                                            </p:txEl>
+                                          </p:spTgt>
+                                        </p:tgtEl>
+                                        <p:attrNameLst>
+                                          <p:attrName>style.visibility</p:attrName>
+                                        </p:attrNameLst>
+                                      </p:cBhvr>
+                                      <p:to>
+                                        <p:strVal val="hidden"/>
+                                      </p:to>
+                                    </p:set>
+                                  </p:childTnLst>
+                                </p:cTn>
+                              </p:par>
+                            </p:childTnLst>
+                          </p:cTn>
+                        </p:par>
+                      </p:childTnLst>
+                    </p:cTn>
+                  </p:par>
+                </p:childTnLst>
+              </p:cTn>
+              <p:prevCondLst>
+                <p:cond evt="onPrev" delay="0">
+                  <p:tgtEl>
+                    <p:sldTgt/>
+                  </p:tgtEl>
+                </p:cond>
+              </p:prevCondLst>
+              <p:nextCondLst>
+                <p:cond evt="onNext" delay="0">
+                  <p:tgtEl>
+                    <p:sldTgt/>
+                  </p:tgtEl>
+                </p:cond>
+              </p:nextCondLst>
+            </p:seq>
+          </p:childTnLst>
+        </p:cTn>
+      </p:par>
+    </p:tnLst>
+    <p:bldLst>
+      <p:bldP spid="4" grpId="0" build="p"/>
+      <p:bldP spid="4" grpId="1" build="p"/>
+      <p:bldP spid="5" grpId="0" build="p"/>
+      <p:bldP spid="5" grpId="1" build="p"/>
+      <p:bldP spid="6" grpId="0" build="p"/>
+      <p:bldP spid="6" grpId="1" build="p"/>
+    </p:bldLst>
+  </p:timing>
+</p:sld>
+</file>
+
+<file path=ppt/slides/slide11.xml><?xml version="1.0" encoding="utf-8"?>
+<p:sld xmlns:a="http://schemas.openxmlformats.org/drawingml/2006/main" xmlns:r="http://schemas.openxmlformats.org/officeDocument/2006/relationships" xmlns:p="http://schemas.openxmlformats.org/presentationml/2006/main">
+  <p:cSld>
+    <p:spTree>
+      <p:nvGrpSpPr>
+        <p:cNvPr id="1" name=""/>
+        <p:cNvGrpSpPr/>
+        <p:nvPr/>
+      </p:nvGrpSpPr>
+      <p:grpSpPr>
+        <a:xfrm>
+          <a:off x="0" y="0"/>
+          <a:ext cx="0" cy="0"/>
+          <a:chOff x="0" y="0"/>
+          <a:chExt cx="0" cy="0"/>
+        </a:xfrm>
+      </p:grpSpPr>
+      <p:sp>
+        <p:nvSpPr>
+          <p:cNvPr id="2" name="Titel 1">
+            <a:extLst>
+              <a:ext uri="{FF2B5EF4-FFF2-40B4-BE49-F238E27FC236}">
+                <a16:creationId xmlns:a16="http://schemas.microsoft.com/office/drawing/2014/main" id="{D0EF457F-B02C-6103-F0AA-1D08E1B8E6D4}"/>
+              </a:ext>
+            </a:extLst>
+          </p:cNvPr>
+          <p:cNvSpPr>
+            <a:spLocks noGrp="1"/>
+          </p:cNvSpPr>
+          <p:nvPr>
+            <p:ph type="title"/>
+          </p:nvPr>
+        </p:nvSpPr>
+        <p:spPr/>
+        <p:txBody>
+          <a:bodyPr/>
+          <a:lstStyle/>
+          <a:p>
+            <a:r>
+              <a:rPr lang="da-DK" dirty="0"/>
+              <a:t>Bash programmering</a:t>
+            </a:r>
+          </a:p>
+        </p:txBody>
+      </p:sp>
+      <p:sp>
+        <p:nvSpPr>
+          <p:cNvPr id="3" name="Pladsholder til indhold 2">
+            <a:extLst>
+              <a:ext uri="{FF2B5EF4-FFF2-40B4-BE49-F238E27FC236}">
+                <a16:creationId xmlns:a16="http://schemas.microsoft.com/office/drawing/2014/main" id="{E71D4E96-B162-B73E-C863-621E7067B5BB}"/>
+              </a:ext>
+            </a:extLst>
+          </p:cNvPr>
+          <p:cNvSpPr>
+            <a:spLocks noGrp="1"/>
+          </p:cNvSpPr>
+          <p:nvPr>
+            <p:ph idx="1"/>
+          </p:nvPr>
+        </p:nvSpPr>
+        <p:spPr>
+          <a:xfrm>
+            <a:off x="2231136" y="2943919"/>
+            <a:ext cx="7729728" cy="2949389"/>
+          </a:xfrm>
+        </p:spPr>
+        <p:txBody>
+          <a:bodyPr>
+            <a:normAutofit/>
+          </a:bodyPr>
+          <a:lstStyle/>
+          <a:p>
+            <a:r>
+              <a:rPr lang="da-DK" dirty="0"/>
+              <a:t>I bash programmering er det muligt at bygge funktionelle scripts og udføre automatisering af opgaver.</a:t>
+            </a:r>
+            <a:br>
+              <a:rPr lang="da-DK" dirty="0"/>
+            </a:br>
+            <a:br>
+              <a:rPr lang="da-DK" dirty="0"/>
+            </a:br>
+            <a:r>
+              <a:rPr lang="da-DK" dirty="0"/>
+              <a:t>Her kommer en kort showcase af nogle bash komponenter.</a:t>
+            </a:r>
+          </a:p>
+        </p:txBody>
+      </p:sp>
+    </p:spTree>
+    <p:extLst>
+      <p:ext uri="{BB962C8B-B14F-4D97-AF65-F5344CB8AC3E}">
+        <p14:creationId xmlns:p14="http://schemas.microsoft.com/office/powerpoint/2010/main" val="3847150053"/>
+      </p:ext>
+    </p:extLst>
+  </p:cSld>
+  <p:clrMapOvr>
+    <a:masterClrMapping/>
+  </p:clrMapOvr>
+</p:sld>
+</file>
+
+<file path=ppt/slides/slide12.xml><?xml version="1.0" encoding="utf-8"?>
+<p:sld xmlns:a="http://schemas.openxmlformats.org/drawingml/2006/main" xmlns:r="http://schemas.openxmlformats.org/officeDocument/2006/relationships" xmlns:p="http://schemas.openxmlformats.org/presentationml/2006/main">
+  <p:cSld>
+    <p:spTree>
+      <p:nvGrpSpPr>
+        <p:cNvPr id="1" name=""/>
+        <p:cNvGrpSpPr/>
+        <p:nvPr/>
+      </p:nvGrpSpPr>
+      <p:grpSpPr>
+        <a:xfrm>
+          <a:off x="0" y="0"/>
+          <a:ext cx="0" cy="0"/>
+          <a:chOff x="0" y="0"/>
+          <a:chExt cx="0" cy="0"/>
+        </a:xfrm>
+      </p:grpSpPr>
+      <p:sp>
+        <p:nvSpPr>
+          <p:cNvPr id="2" name="Titel 1">
+            <a:extLst>
+              <a:ext uri="{FF2B5EF4-FFF2-40B4-BE49-F238E27FC236}">
+                <a16:creationId xmlns:a16="http://schemas.microsoft.com/office/drawing/2014/main" id="{D0EF457F-B02C-6103-F0AA-1D08E1B8E6D4}"/>
+              </a:ext>
+            </a:extLst>
+          </p:cNvPr>
+          <p:cNvSpPr>
+            <a:spLocks noGrp="1"/>
+          </p:cNvSpPr>
+          <p:nvPr>
+            <p:ph type="title"/>
+          </p:nvPr>
+        </p:nvSpPr>
+        <p:spPr/>
+        <p:txBody>
+          <a:bodyPr/>
+          <a:lstStyle/>
+          <a:p>
+            <a:r>
+              <a:rPr lang="da-DK" dirty="0"/>
+              <a:t>Showcase</a:t>
+            </a:r>
+          </a:p>
+        </p:txBody>
+      </p:sp>
+      <p:sp>
+        <p:nvSpPr>
+          <p:cNvPr id="3" name="Pladsholder til indhold 2">
+            <a:extLst>
+              <a:ext uri="{FF2B5EF4-FFF2-40B4-BE49-F238E27FC236}">
+                <a16:creationId xmlns:a16="http://schemas.microsoft.com/office/drawing/2014/main" id="{E71D4E96-B162-B73E-C863-621E7067B5BB}"/>
+              </a:ext>
+            </a:extLst>
+          </p:cNvPr>
+          <p:cNvSpPr>
+            <a:spLocks noGrp="1"/>
+          </p:cNvSpPr>
+          <p:nvPr>
+            <p:ph idx="1"/>
+          </p:nvPr>
+        </p:nvSpPr>
+        <p:spPr>
+          <a:xfrm>
+            <a:off x="2231136" y="2943919"/>
+            <a:ext cx="7729728" cy="2949389"/>
+          </a:xfrm>
+        </p:spPr>
+        <p:txBody>
+          <a:bodyPr>
+            <a:normAutofit/>
+          </a:bodyPr>
+          <a:lstStyle/>
+          <a:p>
+            <a:r>
+              <a:rPr lang="da-DK" dirty="0"/>
+              <a:t>Showcase af hvordan et bash script til automatisering af letvægts-deployment kan se ud.</a:t>
+            </a:r>
+          </a:p>
+        </p:txBody>
+      </p:sp>
+    </p:spTree>
+    <p:extLst>
+      <p:ext uri="{BB962C8B-B14F-4D97-AF65-F5344CB8AC3E}">
+        <p14:creationId xmlns:p14="http://schemas.microsoft.com/office/powerpoint/2010/main" val="3572280428"/>
+      </p:ext>
+    </p:extLst>
+  </p:cSld>
+  <p:clrMapOvr>
+    <a:masterClrMapping/>
+  </p:clrMapOvr>
+</p:sld>
+</file>
+
 <file path=ppt/slides/slide2.xml><?xml version="1.0" encoding="utf-8"?>
 <p:sld xmlns:a="http://schemas.openxmlformats.org/drawingml/2006/main" xmlns:r="http://schemas.openxmlformats.org/officeDocument/2006/relationships" xmlns:p="http://schemas.openxmlformats.org/presentationml/2006/main">
   <p:cSld>
@@ -3606,8 +6372,8 @@
         </p:nvSpPr>
         <p:spPr>
           <a:xfrm>
-            <a:off x="2231136" y="2638044"/>
-            <a:ext cx="7729728" cy="3440027"/>
+            <a:off x="2231136" y="2943919"/>
+            <a:ext cx="7729728" cy="2949389"/>
           </a:xfrm>
         </p:spPr>
         <p:txBody>
@@ -3624,31 +6390,26 @@
           <a:p>
             <a:r>
               <a:rPr lang="da-DK" dirty="0"/>
-              <a:t>Projektplanlægning</a:t>
-            </a:r>
+              <a:t>Projekt</a:t>
+            </a:r>
+          </a:p>
+          <a:p>
+            <a:r>
+              <a:rPr lang="da-DK" sz="1800" dirty="0"/>
+              <a:t>Udviklingsproces / teknologivalg</a:t>
+            </a:r>
+            <a:endParaRPr lang="da-DK" dirty="0"/>
           </a:p>
           <a:p>
             <a:r>
               <a:rPr lang="da-DK" dirty="0"/>
-              <a:t>Arkitektur</a:t>
+              <a:t>Udfordringer og løsninger</a:t>
             </a:r>
           </a:p>
           <a:p>
             <a:r>
               <a:rPr lang="da-DK" dirty="0"/>
-              <a:t>Frontend</a:t>
-            </a:r>
-          </a:p>
-          <a:p>
-            <a:r>
-              <a:rPr lang="da-DK" dirty="0"/>
-              <a:t>Backend</a:t>
-            </a:r>
-          </a:p>
-          <a:p>
-            <a:r>
-              <a:rPr lang="da-DK" dirty="0"/>
-              <a:t>Database</a:t>
+              <a:t>Test og kvalitetssikring</a:t>
             </a:r>
           </a:p>
           <a:p>
@@ -3660,7 +6421,7 @@
           <a:p>
             <a:r>
               <a:rPr lang="da-DK" dirty="0"/>
-              <a:t>Læring</a:t>
+              <a:t>Konklusion og fremtidige forbedringer</a:t>
             </a:r>
           </a:p>
         </p:txBody>
@@ -3716,7 +6477,10 @@
           <a:bodyPr/>
           <a:lstStyle/>
           <a:p>
-            <a:endParaRPr lang="da-DK"/>
+            <a:r>
+              <a:rPr lang="da-DK" dirty="0"/>
+              <a:t>Projekt</a:t>
+            </a:r>
           </a:p>
         </p:txBody>
       </p:sp>
@@ -3741,7 +6505,19 @@
           <a:bodyPr/>
           <a:lstStyle/>
           <a:p>
-            <a:endParaRPr lang="da-DK"/>
+            <a:pPr marL="0" indent="0">
+              <a:buNone/>
+            </a:pPr>
+            <a:r>
+              <a:rPr lang="da-DK" dirty="0"/>
+              <a:t>Beskrivelse:</a:t>
+            </a:r>
+          </a:p>
+          <a:p>
+            <a:pPr marL="0" indent="0">
+              <a:buNone/>
+            </a:pPr>
+            <a:endParaRPr lang="da-DK" dirty="0"/>
           </a:p>
         </p:txBody>
       </p:sp>
@@ -3766,7 +6542,13 @@
           <a:bodyPr/>
           <a:lstStyle/>
           <a:p>
-            <a:endParaRPr lang="da-DK"/>
+            <a:pPr marL="0" indent="0">
+              <a:buNone/>
+            </a:pPr>
+            <a:r>
+              <a:rPr lang="da-DK" dirty="0"/>
+              <a:t>Hovedudfordring:</a:t>
+            </a:r>
           </a:p>
         </p:txBody>
       </p:sp>
@@ -3774,6 +6556,588 @@
     <p:extLst>
       <p:ext uri="{BB962C8B-B14F-4D97-AF65-F5344CB8AC3E}">
         <p14:creationId xmlns:p14="http://schemas.microsoft.com/office/powerpoint/2010/main" val="1871731242"/>
+      </p:ext>
+    </p:extLst>
+  </p:cSld>
+  <p:clrMapOvr>
+    <a:masterClrMapping/>
+  </p:clrMapOvr>
+</p:sld>
+</file>
+
+<file path=ppt/slides/slide4.xml><?xml version="1.0" encoding="utf-8"?>
+<p:sld xmlns:a="http://schemas.openxmlformats.org/drawingml/2006/main" xmlns:r="http://schemas.openxmlformats.org/officeDocument/2006/relationships" xmlns:p="http://schemas.openxmlformats.org/presentationml/2006/main">
+  <p:cSld>
+    <p:spTree>
+      <p:nvGrpSpPr>
+        <p:cNvPr id="1" name=""/>
+        <p:cNvGrpSpPr/>
+        <p:nvPr/>
+      </p:nvGrpSpPr>
+      <p:grpSpPr>
+        <a:xfrm>
+          <a:off x="0" y="0"/>
+          <a:ext cx="0" cy="0"/>
+          <a:chOff x="0" y="0"/>
+          <a:chExt cx="0" cy="0"/>
+        </a:xfrm>
+      </p:grpSpPr>
+      <p:sp>
+        <p:nvSpPr>
+          <p:cNvPr id="2" name="Titel 1">
+            <a:extLst>
+              <a:ext uri="{FF2B5EF4-FFF2-40B4-BE49-F238E27FC236}">
+                <a16:creationId xmlns:a16="http://schemas.microsoft.com/office/drawing/2014/main" id="{A756BEE0-7064-2D6B-1C18-2C3E33247372}"/>
+              </a:ext>
+            </a:extLst>
+          </p:cNvPr>
+          <p:cNvSpPr>
+            <a:spLocks noGrp="1"/>
+          </p:cNvSpPr>
+          <p:nvPr>
+            <p:ph type="ctrTitle"/>
+          </p:nvPr>
+        </p:nvSpPr>
+        <p:spPr/>
+        <p:txBody>
+          <a:bodyPr/>
+          <a:lstStyle/>
+          <a:p>
+            <a:r>
+              <a:rPr lang="da-DK" sz="3200" dirty="0"/>
+              <a:t>Udviklingsproces / Teknologivalg</a:t>
+            </a:r>
+            <a:endParaRPr lang="da-DK" dirty="0"/>
+          </a:p>
+        </p:txBody>
+      </p:sp>
+      <p:sp>
+        <p:nvSpPr>
+          <p:cNvPr id="3" name="Undertitel 2">
+            <a:extLst>
+              <a:ext uri="{FF2B5EF4-FFF2-40B4-BE49-F238E27FC236}">
+                <a16:creationId xmlns:a16="http://schemas.microsoft.com/office/drawing/2014/main" id="{61ECE6CD-DCC9-4087-42DA-9465B030BC69}"/>
+              </a:ext>
+            </a:extLst>
+          </p:cNvPr>
+          <p:cNvSpPr>
+            <a:spLocks noGrp="1"/>
+          </p:cNvSpPr>
+          <p:nvPr>
+            <p:ph type="subTitle" idx="1"/>
+          </p:nvPr>
+        </p:nvSpPr>
+        <p:spPr/>
+        <p:txBody>
+          <a:bodyPr>
+            <a:normAutofit lnSpcReduction="10000"/>
+          </a:bodyPr>
+          <a:lstStyle/>
+          <a:p>
+            <a:pPr marL="342900" indent="-342900" algn="l">
+              <a:buFont typeface="Arial" panose="020B0604020202020204" pitchFamily="34" charset="0"/>
+              <a:buChar char="•"/>
+            </a:pPr>
+            <a:r>
+              <a:rPr lang="da-DK" dirty="0"/>
+              <a:t>Vigtige stadier i udviklingsprocessen</a:t>
+            </a:r>
+          </a:p>
+          <a:p>
+            <a:pPr marL="342900" indent="-342900" algn="l">
+              <a:buFont typeface="Arial" panose="020B0604020202020204" pitchFamily="34" charset="0"/>
+              <a:buChar char="•"/>
+            </a:pPr>
+            <a:r>
+              <a:rPr lang="da-DK" dirty="0"/>
+              <a:t>Valg af teknologier</a:t>
+            </a:r>
+          </a:p>
+          <a:p>
+            <a:pPr marL="342900" indent="-342900" algn="l">
+              <a:buFont typeface="Arial" panose="020B0604020202020204" pitchFamily="34" charset="0"/>
+              <a:buChar char="•"/>
+            </a:pPr>
+            <a:r>
+              <a:rPr lang="da-DK" dirty="0"/>
+              <a:t>Projektstyring og fremskridt</a:t>
+            </a:r>
+          </a:p>
+        </p:txBody>
+      </p:sp>
+    </p:spTree>
+    <p:extLst>
+      <p:ext uri="{BB962C8B-B14F-4D97-AF65-F5344CB8AC3E}">
+        <p14:creationId xmlns:p14="http://schemas.microsoft.com/office/powerpoint/2010/main" val="922931602"/>
+      </p:ext>
+    </p:extLst>
+  </p:cSld>
+  <p:clrMapOvr>
+    <a:masterClrMapping/>
+  </p:clrMapOvr>
+</p:sld>
+</file>
+
+<file path=ppt/slides/slide5.xml><?xml version="1.0" encoding="utf-8"?>
+<p:sld xmlns:a="http://schemas.openxmlformats.org/drawingml/2006/main" xmlns:r="http://schemas.openxmlformats.org/officeDocument/2006/relationships" xmlns:p="http://schemas.openxmlformats.org/presentationml/2006/main">
+  <p:cSld>
+    <p:spTree>
+      <p:nvGrpSpPr>
+        <p:cNvPr id="1" name=""/>
+        <p:cNvGrpSpPr/>
+        <p:nvPr/>
+      </p:nvGrpSpPr>
+      <p:grpSpPr>
+        <a:xfrm>
+          <a:off x="0" y="0"/>
+          <a:ext cx="0" cy="0"/>
+          <a:chOff x="0" y="0"/>
+          <a:chExt cx="0" cy="0"/>
+        </a:xfrm>
+      </p:grpSpPr>
+      <p:sp>
+        <p:nvSpPr>
+          <p:cNvPr id="2" name="Titel 1">
+            <a:extLst>
+              <a:ext uri="{FF2B5EF4-FFF2-40B4-BE49-F238E27FC236}">
+                <a16:creationId xmlns:a16="http://schemas.microsoft.com/office/drawing/2014/main" id="{C82ADD3F-F249-E730-5919-F80887F539EF}"/>
+              </a:ext>
+            </a:extLst>
+          </p:cNvPr>
+          <p:cNvSpPr>
+            <a:spLocks noGrp="1"/>
+          </p:cNvSpPr>
+          <p:nvPr>
+            <p:ph type="title"/>
+          </p:nvPr>
+        </p:nvSpPr>
+        <p:spPr/>
+        <p:txBody>
+          <a:bodyPr/>
+          <a:lstStyle/>
+          <a:p>
+            <a:r>
+              <a:rPr lang="da-DK" dirty="0"/>
+              <a:t>Udfordringer og løsninger</a:t>
+            </a:r>
+          </a:p>
+        </p:txBody>
+      </p:sp>
+      <p:sp>
+        <p:nvSpPr>
+          <p:cNvPr id="3" name="Pladsholder til indhold 2">
+            <a:extLst>
+              <a:ext uri="{FF2B5EF4-FFF2-40B4-BE49-F238E27FC236}">
+                <a16:creationId xmlns:a16="http://schemas.microsoft.com/office/drawing/2014/main" id="{75E5C618-696C-C7CA-65B7-F2021E7A9F9B}"/>
+              </a:ext>
+            </a:extLst>
+          </p:cNvPr>
+          <p:cNvSpPr>
+            <a:spLocks noGrp="1"/>
+          </p:cNvSpPr>
+          <p:nvPr>
+            <p:ph sz="half" idx="1"/>
+          </p:nvPr>
+        </p:nvSpPr>
+        <p:spPr/>
+        <p:txBody>
+          <a:bodyPr/>
+          <a:lstStyle/>
+          <a:p>
+            <a:endParaRPr lang="da-DK"/>
+          </a:p>
+        </p:txBody>
+      </p:sp>
+      <p:sp>
+        <p:nvSpPr>
+          <p:cNvPr id="4" name="Pladsholder til indhold 3">
+            <a:extLst>
+              <a:ext uri="{FF2B5EF4-FFF2-40B4-BE49-F238E27FC236}">
+                <a16:creationId xmlns:a16="http://schemas.microsoft.com/office/drawing/2014/main" id="{A762428D-B6D0-BE90-D35D-6E302451F281}"/>
+              </a:ext>
+            </a:extLst>
+          </p:cNvPr>
+          <p:cNvSpPr>
+            <a:spLocks noGrp="1"/>
+          </p:cNvSpPr>
+          <p:nvPr>
+            <p:ph sz="half" idx="2"/>
+          </p:nvPr>
+        </p:nvSpPr>
+        <p:spPr/>
+        <p:txBody>
+          <a:bodyPr/>
+          <a:lstStyle/>
+          <a:p>
+            <a:endParaRPr lang="da-DK"/>
+          </a:p>
+        </p:txBody>
+      </p:sp>
+    </p:spTree>
+    <p:extLst>
+      <p:ext uri="{BB962C8B-B14F-4D97-AF65-F5344CB8AC3E}">
+        <p14:creationId xmlns:p14="http://schemas.microsoft.com/office/powerpoint/2010/main" val="205214368"/>
+      </p:ext>
+    </p:extLst>
+  </p:cSld>
+  <p:clrMapOvr>
+    <a:masterClrMapping/>
+  </p:clrMapOvr>
+</p:sld>
+</file>
+
+<file path=ppt/slides/slide6.xml><?xml version="1.0" encoding="utf-8"?>
+<p:sld xmlns:a="http://schemas.openxmlformats.org/drawingml/2006/main" xmlns:r="http://schemas.openxmlformats.org/officeDocument/2006/relationships" xmlns:p="http://schemas.openxmlformats.org/presentationml/2006/main">
+  <p:cSld>
+    <p:spTree>
+      <p:nvGrpSpPr>
+        <p:cNvPr id="1" name=""/>
+        <p:cNvGrpSpPr/>
+        <p:nvPr/>
+      </p:nvGrpSpPr>
+      <p:grpSpPr>
+        <a:xfrm>
+          <a:off x="0" y="0"/>
+          <a:ext cx="0" cy="0"/>
+          <a:chOff x="0" y="0"/>
+          <a:chExt cx="0" cy="0"/>
+        </a:xfrm>
+      </p:grpSpPr>
+      <p:sp>
+        <p:nvSpPr>
+          <p:cNvPr id="2" name="Titel 1">
+            <a:extLst>
+              <a:ext uri="{FF2B5EF4-FFF2-40B4-BE49-F238E27FC236}">
+                <a16:creationId xmlns:a16="http://schemas.microsoft.com/office/drawing/2014/main" id="{FD07D411-74A7-B8D3-CF4A-54F452D4485E}"/>
+              </a:ext>
+            </a:extLst>
+          </p:cNvPr>
+          <p:cNvSpPr>
+            <a:spLocks noGrp="1"/>
+          </p:cNvSpPr>
+          <p:nvPr>
+            <p:ph type="ctrTitle"/>
+          </p:nvPr>
+        </p:nvSpPr>
+        <p:spPr/>
+        <p:txBody>
+          <a:bodyPr/>
+          <a:lstStyle/>
+          <a:p>
+            <a:r>
+              <a:rPr lang="da-DK" dirty="0"/>
+              <a:t>Test og kvalitetssikring</a:t>
+            </a:r>
+          </a:p>
+        </p:txBody>
+      </p:sp>
+      <p:sp>
+        <p:nvSpPr>
+          <p:cNvPr id="3" name="Undertitel 2">
+            <a:extLst>
+              <a:ext uri="{FF2B5EF4-FFF2-40B4-BE49-F238E27FC236}">
+                <a16:creationId xmlns:a16="http://schemas.microsoft.com/office/drawing/2014/main" id="{103EC94B-E894-76C6-9084-030DCC97B40D}"/>
+              </a:ext>
+            </a:extLst>
+          </p:cNvPr>
+          <p:cNvSpPr>
+            <a:spLocks noGrp="1"/>
+          </p:cNvSpPr>
+          <p:nvPr>
+            <p:ph type="subTitle" idx="1"/>
+          </p:nvPr>
+        </p:nvSpPr>
+        <p:spPr/>
+        <p:txBody>
+          <a:bodyPr/>
+          <a:lstStyle/>
+          <a:p>
+            <a:endParaRPr lang="da-DK" dirty="0"/>
+          </a:p>
+        </p:txBody>
+      </p:sp>
+    </p:spTree>
+    <p:extLst>
+      <p:ext uri="{BB962C8B-B14F-4D97-AF65-F5344CB8AC3E}">
+        <p14:creationId xmlns:p14="http://schemas.microsoft.com/office/powerpoint/2010/main" val="747342238"/>
+      </p:ext>
+    </p:extLst>
+  </p:cSld>
+  <p:clrMapOvr>
+    <a:masterClrMapping/>
+  </p:clrMapOvr>
+</p:sld>
+</file>
+
+<file path=ppt/slides/slide7.xml><?xml version="1.0" encoding="utf-8"?>
+<p:sld xmlns:a="http://schemas.openxmlformats.org/drawingml/2006/main" xmlns:r="http://schemas.openxmlformats.org/officeDocument/2006/relationships" xmlns:p="http://schemas.openxmlformats.org/presentationml/2006/main">
+  <p:cSld>
+    <p:spTree>
+      <p:nvGrpSpPr>
+        <p:cNvPr id="1" name=""/>
+        <p:cNvGrpSpPr/>
+        <p:nvPr/>
+      </p:nvGrpSpPr>
+      <p:grpSpPr>
+        <a:xfrm>
+          <a:off x="0" y="0"/>
+          <a:ext cx="0" cy="0"/>
+          <a:chOff x="0" y="0"/>
+          <a:chExt cx="0" cy="0"/>
+        </a:xfrm>
+      </p:grpSpPr>
+      <p:sp>
+        <p:nvSpPr>
+          <p:cNvPr id="2" name="Titel 1">
+            <a:extLst>
+              <a:ext uri="{FF2B5EF4-FFF2-40B4-BE49-F238E27FC236}">
+                <a16:creationId xmlns:a16="http://schemas.microsoft.com/office/drawing/2014/main" id="{C7890C44-731E-AFBF-C3DF-9C25DF1B45A1}"/>
+              </a:ext>
+            </a:extLst>
+          </p:cNvPr>
+          <p:cNvSpPr>
+            <a:spLocks noGrp="1"/>
+          </p:cNvSpPr>
+          <p:nvPr>
+            <p:ph type="ctrTitle"/>
+          </p:nvPr>
+        </p:nvSpPr>
+        <p:spPr/>
+        <p:txBody>
+          <a:bodyPr>
+            <a:normAutofit/>
+          </a:bodyPr>
+          <a:lstStyle/>
+          <a:p>
+            <a:r>
+              <a:rPr lang="da-DK" dirty="0"/>
+              <a:t>Konklusion og fremtidige forbedringer</a:t>
+            </a:r>
+          </a:p>
+        </p:txBody>
+      </p:sp>
+      <p:sp>
+        <p:nvSpPr>
+          <p:cNvPr id="3" name="Undertitel 2">
+            <a:extLst>
+              <a:ext uri="{FF2B5EF4-FFF2-40B4-BE49-F238E27FC236}">
+                <a16:creationId xmlns:a16="http://schemas.microsoft.com/office/drawing/2014/main" id="{8D712467-51C2-E04E-8BD2-E0E69D5EF007}"/>
+              </a:ext>
+            </a:extLst>
+          </p:cNvPr>
+          <p:cNvSpPr>
+            <a:spLocks noGrp="1"/>
+          </p:cNvSpPr>
+          <p:nvPr>
+            <p:ph type="subTitle" idx="1"/>
+          </p:nvPr>
+        </p:nvSpPr>
+        <p:spPr/>
+        <p:txBody>
+          <a:bodyPr/>
+          <a:lstStyle/>
+          <a:p>
+            <a:endParaRPr lang="da-DK" dirty="0"/>
+          </a:p>
+        </p:txBody>
+      </p:sp>
+    </p:spTree>
+    <p:extLst>
+      <p:ext uri="{BB962C8B-B14F-4D97-AF65-F5344CB8AC3E}">
+        <p14:creationId xmlns:p14="http://schemas.microsoft.com/office/powerpoint/2010/main" val="1260473696"/>
+      </p:ext>
+    </p:extLst>
+  </p:cSld>
+  <p:clrMapOvr>
+    <a:masterClrMapping/>
+  </p:clrMapOvr>
+</p:sld>
+</file>
+
+<file path=ppt/slides/slide8.xml><?xml version="1.0" encoding="utf-8"?>
+<p:sld xmlns:a="http://schemas.openxmlformats.org/drawingml/2006/main" xmlns:r="http://schemas.openxmlformats.org/officeDocument/2006/relationships" xmlns:p="http://schemas.openxmlformats.org/presentationml/2006/main">
+  <p:cSld>
+    <p:spTree>
+      <p:nvGrpSpPr>
+        <p:cNvPr id="1" name=""/>
+        <p:cNvGrpSpPr/>
+        <p:nvPr/>
+      </p:nvGrpSpPr>
+      <p:grpSpPr>
+        <a:xfrm>
+          <a:off x="0" y="0"/>
+          <a:ext cx="0" cy="0"/>
+          <a:chOff x="0" y="0"/>
+          <a:chExt cx="0" cy="0"/>
+        </a:xfrm>
+      </p:grpSpPr>
+      <p:sp>
+        <p:nvSpPr>
+          <p:cNvPr id="2" name="Titel 1">
+            <a:extLst>
+              <a:ext uri="{FF2B5EF4-FFF2-40B4-BE49-F238E27FC236}">
+                <a16:creationId xmlns:a16="http://schemas.microsoft.com/office/drawing/2014/main" id="{D7DD8E29-8890-19CF-4009-AA8F26DBF4FD}"/>
+              </a:ext>
+            </a:extLst>
+          </p:cNvPr>
+          <p:cNvSpPr>
+            <a:spLocks noGrp="1"/>
+          </p:cNvSpPr>
+          <p:nvPr>
+            <p:ph type="ctrTitle"/>
+          </p:nvPr>
+        </p:nvSpPr>
+        <p:spPr/>
+        <p:txBody>
+          <a:bodyPr/>
+          <a:lstStyle/>
+          <a:p>
+            <a:r>
+              <a:rPr lang="da-DK" dirty="0"/>
+              <a:t>Selvvalgt emne</a:t>
+            </a:r>
+          </a:p>
+        </p:txBody>
+      </p:sp>
+      <p:sp>
+        <p:nvSpPr>
+          <p:cNvPr id="3" name="Undertitel 2">
+            <a:extLst>
+              <a:ext uri="{FF2B5EF4-FFF2-40B4-BE49-F238E27FC236}">
+                <a16:creationId xmlns:a16="http://schemas.microsoft.com/office/drawing/2014/main" id="{34684423-583E-2E31-3716-3AF0A2D09AAF}"/>
+              </a:ext>
+            </a:extLst>
+          </p:cNvPr>
+          <p:cNvSpPr>
+            <a:spLocks noGrp="1"/>
+          </p:cNvSpPr>
+          <p:nvPr>
+            <p:ph type="subTitle" idx="1"/>
+          </p:nvPr>
+        </p:nvSpPr>
+        <p:spPr>
+          <a:xfrm>
+            <a:off x="2695194" y="4998003"/>
+            <a:ext cx="6801612" cy="407715"/>
+          </a:xfrm>
+        </p:spPr>
+        <p:txBody>
+          <a:bodyPr>
+            <a:normAutofit/>
+          </a:bodyPr>
+          <a:lstStyle/>
+          <a:p>
+            <a:r>
+              <a:rPr lang="da-DK" dirty="0"/>
+              <a:t>Kunstpause</a:t>
+            </a:r>
+          </a:p>
+        </p:txBody>
+      </p:sp>
+    </p:spTree>
+    <p:extLst>
+      <p:ext uri="{BB962C8B-B14F-4D97-AF65-F5344CB8AC3E}">
+        <p14:creationId xmlns:p14="http://schemas.microsoft.com/office/powerpoint/2010/main" val="3426936425"/>
+      </p:ext>
+    </p:extLst>
+  </p:cSld>
+  <p:clrMapOvr>
+    <a:masterClrMapping/>
+  </p:clrMapOvr>
+</p:sld>
+</file>
+
+<file path=ppt/slides/slide9.xml><?xml version="1.0" encoding="utf-8"?>
+<p:sld xmlns:a="http://schemas.openxmlformats.org/drawingml/2006/main" xmlns:r="http://schemas.openxmlformats.org/officeDocument/2006/relationships" xmlns:p="http://schemas.openxmlformats.org/presentationml/2006/main">
+  <p:cSld>
+    <p:spTree>
+      <p:nvGrpSpPr>
+        <p:cNvPr id="1" name=""/>
+        <p:cNvGrpSpPr/>
+        <p:nvPr/>
+      </p:nvGrpSpPr>
+      <p:grpSpPr>
+        <a:xfrm>
+          <a:off x="0" y="0"/>
+          <a:ext cx="0" cy="0"/>
+          <a:chOff x="0" y="0"/>
+          <a:chExt cx="0" cy="0"/>
+        </a:xfrm>
+      </p:grpSpPr>
+      <p:sp>
+        <p:nvSpPr>
+          <p:cNvPr id="2" name="Titel 1">
+            <a:extLst>
+              <a:ext uri="{FF2B5EF4-FFF2-40B4-BE49-F238E27FC236}">
+                <a16:creationId xmlns:a16="http://schemas.microsoft.com/office/drawing/2014/main" id="{D0EF457F-B02C-6103-F0AA-1D08E1B8E6D4}"/>
+              </a:ext>
+            </a:extLst>
+          </p:cNvPr>
+          <p:cNvSpPr>
+            <a:spLocks noGrp="1"/>
+          </p:cNvSpPr>
+          <p:nvPr>
+            <p:ph type="title"/>
+          </p:nvPr>
+        </p:nvSpPr>
+        <p:spPr/>
+        <p:txBody>
+          <a:bodyPr/>
+          <a:lstStyle/>
+          <a:p>
+            <a:r>
+              <a:rPr lang="da-DK" dirty="0"/>
+              <a:t>Bash</a:t>
+            </a:r>
+          </a:p>
+        </p:txBody>
+      </p:sp>
+      <p:sp>
+        <p:nvSpPr>
+          <p:cNvPr id="3" name="Pladsholder til indhold 2">
+            <a:extLst>
+              <a:ext uri="{FF2B5EF4-FFF2-40B4-BE49-F238E27FC236}">
+                <a16:creationId xmlns:a16="http://schemas.microsoft.com/office/drawing/2014/main" id="{E71D4E96-B162-B73E-C863-621E7067B5BB}"/>
+              </a:ext>
+            </a:extLst>
+          </p:cNvPr>
+          <p:cNvSpPr>
+            <a:spLocks noGrp="1"/>
+          </p:cNvSpPr>
+          <p:nvPr>
+            <p:ph idx="1"/>
+          </p:nvPr>
+        </p:nvSpPr>
+        <p:spPr>
+          <a:xfrm>
+            <a:off x="2231136" y="2943919"/>
+            <a:ext cx="7729728" cy="2949389"/>
+          </a:xfrm>
+        </p:spPr>
+        <p:txBody>
+          <a:bodyPr>
+            <a:normAutofit/>
+          </a:bodyPr>
+          <a:lstStyle/>
+          <a:p>
+            <a:r>
+              <a:rPr lang="da-DK" dirty="0"/>
+              <a:t>Bash, hvad er det?!</a:t>
+            </a:r>
+          </a:p>
+          <a:p>
+            <a:r>
+              <a:rPr lang="da-DK" sz="1800" dirty="0"/>
+              <a:t>Showcase</a:t>
+            </a:r>
+            <a:endParaRPr lang="da-DK" dirty="0"/>
+          </a:p>
+        </p:txBody>
+      </p:sp>
+    </p:spTree>
+    <p:extLst>
+      <p:ext uri="{BB962C8B-B14F-4D97-AF65-F5344CB8AC3E}">
+        <p14:creationId xmlns:p14="http://schemas.microsoft.com/office/powerpoint/2010/main" val="124140558"/>
       </p:ext>
     </p:extLst>
   </p:cSld>

--- a/Assets/Documents/Præsentation-sidernesVerden.pptx
+++ b/Assets/Documents/Præsentation-sidernesVerden.pptx
@@ -9,8 +9,8 @@
     <p:sldId id="257" r:id="rId3"/>
     <p:sldId id="258" r:id="rId4"/>
     <p:sldId id="259" r:id="rId5"/>
-    <p:sldId id="260" r:id="rId6"/>
-    <p:sldId id="261" r:id="rId7"/>
+    <p:sldId id="261" r:id="rId6"/>
+    <p:sldId id="268" r:id="rId7"/>
     <p:sldId id="262" r:id="rId8"/>
     <p:sldId id="263" r:id="rId9"/>
     <p:sldId id="264" r:id="rId10"/>
@@ -124,8 +124,8 @@
             <p14:sldId id="257"/>
             <p14:sldId id="258"/>
             <p14:sldId id="259"/>
-            <p14:sldId id="260"/>
             <p14:sldId id="261"/>
+            <p14:sldId id="268"/>
             <p14:sldId id="262"/>
             <p14:sldId id="263"/>
             <p14:sldId id="264"/>
@@ -6384,12 +6384,6 @@
           <a:p>
             <a:r>
               <a:rPr lang="da-DK" dirty="0"/>
-              <a:t>Introduktion</a:t>
-            </a:r>
-          </a:p>
-          <a:p>
-            <a:r>
-              <a:rPr lang="da-DK" dirty="0"/>
               <a:t>Projekt</a:t>
             </a:r>
           </a:p>
@@ -6399,12 +6393,6 @@
               <a:t>Udviklingsproces / teknologivalg</a:t>
             </a:r>
             <a:endParaRPr lang="da-DK" dirty="0"/>
-          </a:p>
-          <a:p>
-            <a:r>
-              <a:rPr lang="da-DK" dirty="0"/>
-              <a:t>Udfordringer og løsninger</a:t>
-            </a:r>
           </a:p>
           <a:p>
             <a:r>
@@ -6509,8 +6497,17 @@
               <a:buNone/>
             </a:pPr>
             <a:r>
+              <a:rPr lang="da-DK" b="1" dirty="0"/>
+              <a:t>Beskrivelse:</a:t>
+            </a:r>
+          </a:p>
+          <a:p>
+            <a:pPr marL="0" indent="0">
+              <a:buNone/>
+            </a:pPr>
+            <a:r>
               <a:rPr lang="da-DK" dirty="0"/>
-              <a:t>Beskrivelse:</a:t>
+              <a:t>Opbygning af en komplet webshop med Laravel som backend, Eloquent-ORM, SQLite database og Blade-Frontend.</a:t>
             </a:r>
           </a:p>
           <a:p>
@@ -6546,8 +6543,66 @@
               <a:buNone/>
             </a:pPr>
             <a:r>
+              <a:rPr lang="da-DK" b="1" dirty="0"/>
+              <a:t>Hovedudfordringer</a:t>
+            </a:r>
+            <a:r>
               <a:rPr lang="da-DK" dirty="0"/>
-              <a:t>Hovedudfordring:</a:t>
+              <a:t>:</a:t>
+            </a:r>
+          </a:p>
+          <a:p>
+            <a:pPr marL="0" indent="0">
+              <a:buNone/>
+            </a:pPr>
+            <a:r>
+              <a:rPr lang="da-DK" dirty="0"/>
+              <a:t>Betalingsintegration</a:t>
+            </a:r>
+          </a:p>
+          <a:p>
+            <a:pPr marL="0" indent="0">
+              <a:buNone/>
+            </a:pPr>
+            <a:r>
+              <a:rPr lang="da-DK" dirty="0"/>
+              <a:t>Import af bøger inden go-live</a:t>
+            </a:r>
+          </a:p>
+          <a:p>
+            <a:pPr marL="0" indent="0">
+              <a:buNone/>
+            </a:pPr>
+            <a:r>
+              <a:rPr lang="da-DK" dirty="0"/>
+              <a:t>Hændelseslog</a:t>
+            </a:r>
+          </a:p>
+          <a:p>
+            <a:pPr marL="0" indent="0">
+              <a:buNone/>
+            </a:pPr>
+            <a:r>
+              <a:rPr lang="da-DK" dirty="0"/>
+              <a:t>Søgefunktionalitet</a:t>
+            </a:r>
+          </a:p>
+          <a:p>
+            <a:pPr marL="0" indent="0">
+              <a:buNone/>
+            </a:pPr>
+            <a:r>
+              <a:rPr lang="da-DK" dirty="0"/>
+              <a:t>Filtrering af bøger</a:t>
+            </a:r>
+          </a:p>
+          <a:p>
+            <a:pPr marL="0" indent="0">
+              <a:buNone/>
+            </a:pPr>
+            <a:r>
+              <a:rPr lang="da-DK" dirty="0"/>
+              <a:t>Brugerrolle administrering og håndtering</a:t>
             </a:r>
           </a:p>
         </p:txBody>
@@ -6630,7 +6685,7 @@
         <p:spPr/>
         <p:txBody>
           <a:bodyPr>
-            <a:normAutofit lnSpcReduction="10000"/>
+            <a:normAutofit/>
           </a:bodyPr>
           <a:lstStyle/>
           <a:p>
@@ -6640,7 +6695,7 @@
             </a:pPr>
             <a:r>
               <a:rPr lang="da-DK" dirty="0"/>
-              <a:t>Vigtige stadier i udviklingsprocessen</a:t>
+              <a:t>Projektstyring og fremskridt</a:t>
             </a:r>
           </a:p>
           <a:p>
@@ -6651,16 +6706,6 @@
             <a:r>
               <a:rPr lang="da-DK" dirty="0"/>
               <a:t>Valg af teknologier</a:t>
-            </a:r>
-          </a:p>
-          <a:p>
-            <a:pPr marL="342900" indent="-342900" algn="l">
-              <a:buFont typeface="Arial" panose="020B0604020202020204" pitchFamily="34" charset="0"/>
-              <a:buChar char="•"/>
-            </a:pPr>
-            <a:r>
-              <a:rPr lang="da-DK" dirty="0"/>
-              <a:t>Projektstyring og fremskridt</a:t>
             </a:r>
           </a:p>
         </p:txBody>
@@ -6700,7 +6745,7 @@
           <p:cNvPr id="2" name="Titel 1">
             <a:extLst>
               <a:ext uri="{FF2B5EF4-FFF2-40B4-BE49-F238E27FC236}">
-                <a16:creationId xmlns:a16="http://schemas.microsoft.com/office/drawing/2014/main" id="{C82ADD3F-F249-E730-5919-F80887F539EF}"/>
+                <a16:creationId xmlns:a16="http://schemas.microsoft.com/office/drawing/2014/main" id="{FD07D411-74A7-B8D3-CF4A-54F452D4485E}"/>
               </a:ext>
             </a:extLst>
           </p:cNvPr>
@@ -6708,7 +6753,7 @@
             <a:spLocks noGrp="1"/>
           </p:cNvSpPr>
           <p:nvPr>
-            <p:ph type="title"/>
+            <p:ph type="ctrTitle"/>
           </p:nvPr>
         </p:nvSpPr>
         <p:spPr/>
@@ -6718,17 +6763,17 @@
           <a:p>
             <a:r>
               <a:rPr lang="da-DK" dirty="0"/>
-              <a:t>Udfordringer og løsninger</a:t>
-            </a:r>
-          </a:p>
-        </p:txBody>
-      </p:sp>
-      <p:sp>
-        <p:nvSpPr>
-          <p:cNvPr id="3" name="Pladsholder til indhold 2">
+              <a:t>Test og kvalitetssikring</a:t>
+            </a:r>
+          </a:p>
+        </p:txBody>
+      </p:sp>
+      <p:sp>
+        <p:nvSpPr>
+          <p:cNvPr id="3" name="Undertitel 2">
             <a:extLst>
               <a:ext uri="{FF2B5EF4-FFF2-40B4-BE49-F238E27FC236}">
-                <a16:creationId xmlns:a16="http://schemas.microsoft.com/office/drawing/2014/main" id="{75E5C618-696C-C7CA-65B7-F2021E7A9F9B}"/>
+                <a16:creationId xmlns:a16="http://schemas.microsoft.com/office/drawing/2014/main" id="{103EC94B-E894-76C6-9084-030DCC97B40D}"/>
               </a:ext>
             </a:extLst>
           </p:cNvPr>
@@ -6736,47 +6781,56 @@
             <a:spLocks noGrp="1"/>
           </p:cNvSpPr>
           <p:nvPr>
-            <p:ph sz="half" idx="1"/>
+            <p:ph type="subTitle" idx="1"/>
           </p:nvPr>
         </p:nvSpPr>
         <p:spPr/>
         <p:txBody>
-          <a:bodyPr/>
+          <a:bodyPr>
+            <a:normAutofit lnSpcReduction="10000"/>
+          </a:bodyPr>
           <a:lstStyle/>
           <a:p>
-            <a:endParaRPr lang="da-DK"/>
-          </a:p>
-        </p:txBody>
-      </p:sp>
-      <p:sp>
-        <p:nvSpPr>
-          <p:cNvPr id="4" name="Pladsholder til indhold 3">
-            <a:extLst>
-              <a:ext uri="{FF2B5EF4-FFF2-40B4-BE49-F238E27FC236}">
-                <a16:creationId xmlns:a16="http://schemas.microsoft.com/office/drawing/2014/main" id="{A762428D-B6D0-BE90-D35D-6E302451F281}"/>
-              </a:ext>
-            </a:extLst>
-          </p:cNvPr>
-          <p:cNvSpPr>
-            <a:spLocks noGrp="1"/>
-          </p:cNvSpPr>
-          <p:nvPr>
-            <p:ph sz="half" idx="2"/>
-          </p:nvPr>
-        </p:nvSpPr>
-        <p:spPr/>
-        <p:txBody>
-          <a:bodyPr/>
-          <a:lstStyle/>
-          <a:p>
-            <a:endParaRPr lang="da-DK"/>
+            <a:pPr marL="342900" indent="-342900" algn="l">
+              <a:buFont typeface="Arial" panose="020B0604020202020204" pitchFamily="34" charset="0"/>
+              <a:buChar char="•"/>
+            </a:pPr>
+            <a:endParaRPr lang="da-DK" dirty="0"/>
+          </a:p>
+          <a:p>
+            <a:pPr marL="342900" indent="-342900" algn="l">
+              <a:buFont typeface="Arial" panose="020B0604020202020204" pitchFamily="34" charset="0"/>
+              <a:buChar char="•"/>
+            </a:pPr>
+            <a:endParaRPr lang="da-DK" dirty="0"/>
+          </a:p>
+          <a:p>
+            <a:pPr marL="342900" indent="-342900" algn="l">
+              <a:buFont typeface="Arial" panose="020B0604020202020204" pitchFamily="34" charset="0"/>
+              <a:buChar char="•"/>
+            </a:pPr>
+            <a:r>
+              <a:rPr lang="da-DK" dirty="0"/>
+              <a:t>GitHub Actions</a:t>
+            </a:r>
+          </a:p>
+          <a:p>
+            <a:pPr algn="l"/>
+            <a:endParaRPr lang="da-DK" dirty="0"/>
+          </a:p>
+          <a:p>
+            <a:pPr marL="342900" indent="-342900" algn="l">
+              <a:buFont typeface="Arial" panose="020B0604020202020204" pitchFamily="34" charset="0"/>
+              <a:buChar char="•"/>
+            </a:pPr>
+            <a:endParaRPr lang="da-DK" dirty="0"/>
           </a:p>
         </p:txBody>
       </p:sp>
     </p:spTree>
     <p:extLst>
       <p:ext uri="{BB962C8B-B14F-4D97-AF65-F5344CB8AC3E}">
-        <p14:creationId xmlns:p14="http://schemas.microsoft.com/office/powerpoint/2010/main" val="205214368"/>
+        <p14:creationId xmlns:p14="http://schemas.microsoft.com/office/powerpoint/2010/main" val="747342238"/>
       </p:ext>
     </p:extLst>
   </p:cSld>
@@ -6826,7 +6880,7 @@
           <a:p>
             <a:r>
               <a:rPr lang="da-DK" dirty="0"/>
-              <a:t>Test og kvalitetssikring</a:t>
+              <a:t>Showcase</a:t>
             </a:r>
           </a:p>
         </p:txBody>
@@ -6849,9 +6903,19 @@
         </p:nvSpPr>
         <p:spPr/>
         <p:txBody>
-          <a:bodyPr/>
+          <a:bodyPr>
+            <a:normAutofit/>
+          </a:bodyPr>
           <a:lstStyle/>
           <a:p>
+            <a:pPr algn="l"/>
+            <a:endParaRPr lang="da-DK" dirty="0"/>
+          </a:p>
+          <a:p>
+            <a:pPr marL="342900" indent="-342900" algn="l">
+              <a:buFont typeface="Arial" panose="020B0604020202020204" pitchFamily="34" charset="0"/>
+              <a:buChar char="•"/>
+            </a:pPr>
             <a:endParaRPr lang="da-DK" dirty="0"/>
           </a:p>
         </p:txBody>
@@ -6859,7 +6923,7 @@
     </p:spTree>
     <p:extLst>
       <p:ext uri="{BB962C8B-B14F-4D97-AF65-F5344CB8AC3E}">
-        <p14:creationId xmlns:p14="http://schemas.microsoft.com/office/powerpoint/2010/main" val="747342238"/>
+        <p14:creationId xmlns:p14="http://schemas.microsoft.com/office/powerpoint/2010/main" val="4007746566"/>
       </p:ext>
     </p:extLst>
   </p:cSld>

--- a/Assets/Documents/Præsentation-sidernesVerden.pptx
+++ b/Assets/Documents/Præsentation-sidernesVerden.pptx
@@ -7,16 +7,17 @@
   <p:sldIdLst>
     <p:sldId id="256" r:id="rId2"/>
     <p:sldId id="257" r:id="rId3"/>
-    <p:sldId id="258" r:id="rId4"/>
-    <p:sldId id="259" r:id="rId5"/>
-    <p:sldId id="261" r:id="rId6"/>
-    <p:sldId id="268" r:id="rId7"/>
-    <p:sldId id="262" r:id="rId8"/>
-    <p:sldId id="263" r:id="rId9"/>
-    <p:sldId id="264" r:id="rId10"/>
-    <p:sldId id="265" r:id="rId11"/>
-    <p:sldId id="266" r:id="rId12"/>
-    <p:sldId id="267" r:id="rId13"/>
+    <p:sldId id="269" r:id="rId4"/>
+    <p:sldId id="258" r:id="rId5"/>
+    <p:sldId id="259" r:id="rId6"/>
+    <p:sldId id="261" r:id="rId7"/>
+    <p:sldId id="268" r:id="rId8"/>
+    <p:sldId id="262" r:id="rId9"/>
+    <p:sldId id="263" r:id="rId10"/>
+    <p:sldId id="264" r:id="rId11"/>
+    <p:sldId id="265" r:id="rId12"/>
+    <p:sldId id="266" r:id="rId13"/>
+    <p:sldId id="267" r:id="rId14"/>
   </p:sldIdLst>
   <p:sldSz cx="12192000" cy="6858000"/>
   <p:notesSz cx="6858000" cy="9144000"/>
@@ -122,6 +123,7 @@
           <p14:sldIdLst>
             <p14:sldId id="256"/>
             <p14:sldId id="257"/>
+            <p14:sldId id="269"/>
             <p14:sldId id="258"/>
             <p14:sldId id="259"/>
             <p14:sldId id="261"/>
@@ -3565,6 +3567,106 @@
 </file>
 
 <file path=ppt/slides/slide10.xml><?xml version="1.0" encoding="utf-8"?>
+<p:sld xmlns:a="http://schemas.openxmlformats.org/drawingml/2006/main" xmlns:r="http://schemas.openxmlformats.org/officeDocument/2006/relationships" xmlns:p="http://schemas.openxmlformats.org/presentationml/2006/main">
+  <p:cSld>
+    <p:spTree>
+      <p:nvGrpSpPr>
+        <p:cNvPr id="1" name=""/>
+        <p:cNvGrpSpPr/>
+        <p:nvPr/>
+      </p:nvGrpSpPr>
+      <p:grpSpPr>
+        <a:xfrm>
+          <a:off x="0" y="0"/>
+          <a:ext cx="0" cy="0"/>
+          <a:chOff x="0" y="0"/>
+          <a:chExt cx="0" cy="0"/>
+        </a:xfrm>
+      </p:grpSpPr>
+      <p:sp>
+        <p:nvSpPr>
+          <p:cNvPr id="2" name="Titel 1">
+            <a:extLst>
+              <a:ext uri="{FF2B5EF4-FFF2-40B4-BE49-F238E27FC236}">
+                <a16:creationId xmlns:a16="http://schemas.microsoft.com/office/drawing/2014/main" id="{D0EF457F-B02C-6103-F0AA-1D08E1B8E6D4}"/>
+              </a:ext>
+            </a:extLst>
+          </p:cNvPr>
+          <p:cNvSpPr>
+            <a:spLocks noGrp="1"/>
+          </p:cNvSpPr>
+          <p:nvPr>
+            <p:ph type="title"/>
+          </p:nvPr>
+        </p:nvSpPr>
+        <p:spPr/>
+        <p:txBody>
+          <a:bodyPr/>
+          <a:lstStyle/>
+          <a:p>
+            <a:r>
+              <a:rPr lang="da-DK" dirty="0"/>
+              <a:t>Bash</a:t>
+            </a:r>
+          </a:p>
+        </p:txBody>
+      </p:sp>
+      <p:sp>
+        <p:nvSpPr>
+          <p:cNvPr id="3" name="Pladsholder til indhold 2">
+            <a:extLst>
+              <a:ext uri="{FF2B5EF4-FFF2-40B4-BE49-F238E27FC236}">
+                <a16:creationId xmlns:a16="http://schemas.microsoft.com/office/drawing/2014/main" id="{E71D4E96-B162-B73E-C863-621E7067B5BB}"/>
+              </a:ext>
+            </a:extLst>
+          </p:cNvPr>
+          <p:cNvSpPr>
+            <a:spLocks noGrp="1"/>
+          </p:cNvSpPr>
+          <p:nvPr>
+            <p:ph idx="1"/>
+          </p:nvPr>
+        </p:nvSpPr>
+        <p:spPr>
+          <a:xfrm>
+            <a:off x="2231136" y="3318555"/>
+            <a:ext cx="7729728" cy="1386034"/>
+          </a:xfrm>
+        </p:spPr>
+        <p:txBody>
+          <a:bodyPr>
+            <a:normAutofit/>
+          </a:bodyPr>
+          <a:lstStyle/>
+          <a:p>
+            <a:r>
+              <a:rPr lang="da-DK" dirty="0"/>
+              <a:t>Bash, hvad er det, hvad kan det, hvordan fungerer det?!</a:t>
+            </a:r>
+          </a:p>
+          <a:p>
+            <a:r>
+              <a:rPr lang="da-DK" sz="1800" dirty="0"/>
+              <a:t>Showcase af eksempel</a:t>
+            </a:r>
+            <a:endParaRPr lang="da-DK" dirty="0"/>
+          </a:p>
+        </p:txBody>
+      </p:sp>
+    </p:spTree>
+    <p:extLst>
+      <p:ext uri="{BB962C8B-B14F-4D97-AF65-F5344CB8AC3E}">
+        <p14:creationId xmlns:p14="http://schemas.microsoft.com/office/powerpoint/2010/main" val="124140558"/>
+      </p:ext>
+    </p:extLst>
+  </p:cSld>
+  <p:clrMapOvr>
+    <a:masterClrMapping/>
+  </p:clrMapOvr>
+</p:sld>
+</file>
+
+<file path=ppt/slides/slide11.xml><?xml version="1.0" encoding="utf-8"?>
 <p:sld xmlns:a="http://schemas.openxmlformats.org/drawingml/2006/main" xmlns:r="http://schemas.openxmlformats.org/officeDocument/2006/relationships" xmlns:p="http://schemas.openxmlformats.org/presentationml/2006/main">
   <p:cSld>
     <p:spTree>
@@ -6113,7 +6215,7 @@
 </p:sld>
 </file>
 
-<file path=ppt/slides/slide11.xml><?xml version="1.0" encoding="utf-8"?>
+<file path=ppt/slides/slide12.xml><?xml version="1.0" encoding="utf-8"?>
 <p:sld xmlns:a="http://schemas.openxmlformats.org/drawingml/2006/main" xmlns:r="http://schemas.openxmlformats.org/officeDocument/2006/relationships" xmlns:p="http://schemas.openxmlformats.org/presentationml/2006/main">
   <p:cSld>
     <p:spTree>
@@ -6216,7 +6318,7 @@
 </p:sld>
 </file>
 
-<file path=ppt/slides/slide12.xml><?xml version="1.0" encoding="utf-8"?>
+<file path=ppt/slides/slide13.xml><?xml version="1.0" encoding="utf-8"?>
 <p:sld xmlns:a="http://schemas.openxmlformats.org/drawingml/2006/main" xmlns:r="http://schemas.openxmlformats.org/officeDocument/2006/relationships" xmlns:p="http://schemas.openxmlformats.org/presentationml/2006/main">
   <p:cSld>
     <p:spTree>
@@ -6384,13 +6486,19 @@
           <a:p>
             <a:r>
               <a:rPr lang="da-DK" dirty="0"/>
+              <a:t>Introduktion</a:t>
+            </a:r>
+          </a:p>
+          <a:p>
+            <a:r>
+              <a:rPr lang="da-DK" dirty="0"/>
               <a:t>Projekt</a:t>
             </a:r>
           </a:p>
           <a:p>
             <a:r>
               <a:rPr lang="da-DK" sz="1800" dirty="0"/>
-              <a:t>Udviklingsproces / teknologivalg</a:t>
+              <a:t>Udviklingsproces</a:t>
             </a:r>
             <a:endParaRPr lang="da-DK" dirty="0"/>
           </a:p>
@@ -6449,7 +6557,7 @@
           <p:cNvPr id="2" name="Titel 1">
             <a:extLst>
               <a:ext uri="{FF2B5EF4-FFF2-40B4-BE49-F238E27FC236}">
-                <a16:creationId xmlns:a16="http://schemas.microsoft.com/office/drawing/2014/main" id="{65C03B50-0BFC-82E5-C5DE-D29E368592F2}"/>
+                <a16:creationId xmlns:a16="http://schemas.microsoft.com/office/drawing/2014/main" id="{A756BEE0-7064-2D6B-1C18-2C3E33247372}"/>
               </a:ext>
             </a:extLst>
           </p:cNvPr>
@@ -6457,27 +6565,33 @@
             <a:spLocks noGrp="1"/>
           </p:cNvSpPr>
           <p:nvPr>
-            <p:ph type="title"/>
-          </p:nvPr>
-        </p:nvSpPr>
-        <p:spPr/>
+            <p:ph type="ctrTitle"/>
+          </p:nvPr>
+        </p:nvSpPr>
+        <p:spPr>
+          <a:xfrm>
+            <a:off x="1600200" y="859536"/>
+            <a:ext cx="8991600" cy="1645920"/>
+          </a:xfrm>
+        </p:spPr>
         <p:txBody>
           <a:bodyPr/>
           <a:lstStyle/>
           <a:p>
             <a:r>
-              <a:rPr lang="da-DK" dirty="0"/>
-              <a:t>Projekt</a:t>
-            </a:r>
-          </a:p>
-        </p:txBody>
-      </p:sp>
-      <p:sp>
-        <p:nvSpPr>
-          <p:cNvPr id="3" name="Pladsholder til indhold 2">
+              <a:rPr lang="da-DK" sz="3200" dirty="0"/>
+              <a:t>Introduktion</a:t>
+            </a:r>
+            <a:endParaRPr lang="da-DK" dirty="0"/>
+          </a:p>
+        </p:txBody>
+      </p:sp>
+      <p:sp>
+        <p:nvSpPr>
+          <p:cNvPr id="3" name="Undertitel 2">
             <a:extLst>
               <a:ext uri="{FF2B5EF4-FFF2-40B4-BE49-F238E27FC236}">
-                <a16:creationId xmlns:a16="http://schemas.microsoft.com/office/drawing/2014/main" id="{77D37433-D154-5ADF-0571-328182BC006B}"/>
+                <a16:creationId xmlns:a16="http://schemas.microsoft.com/office/drawing/2014/main" id="{61ECE6CD-DCC9-4087-42DA-9465B030BC69}"/>
               </a:ext>
             </a:extLst>
           </p:cNvPr>
@@ -6485,124 +6599,38 @@
             <a:spLocks noGrp="1"/>
           </p:cNvSpPr>
           <p:nvPr>
-            <p:ph sz="half" idx="1"/>
-          </p:nvPr>
-        </p:nvSpPr>
-        <p:spPr/>
-        <p:txBody>
-          <a:bodyPr/>
+            <p:ph type="subTitle" idx="1"/>
+          </p:nvPr>
+        </p:nvSpPr>
+        <p:spPr>
+          <a:xfrm>
+            <a:off x="1600200" y="2882332"/>
+            <a:ext cx="8991600" cy="3116132"/>
+          </a:xfrm>
+        </p:spPr>
+        <p:txBody>
+          <a:bodyPr>
+            <a:normAutofit/>
+          </a:bodyPr>
           <a:lstStyle/>
           <a:p>
-            <a:pPr marL="0" indent="0">
-              <a:buNone/>
+            <a:pPr marL="342900" indent="-342900" algn="l">
+              <a:buFont typeface="Arial" panose="020B0604020202020204" pitchFamily="34" charset="0"/>
+              <a:buChar char="•"/>
             </a:pPr>
             <a:r>
-              <a:rPr lang="da-DK" b="1" dirty="0"/>
-              <a:t>Beskrivelse:</a:t>
-            </a:r>
-          </a:p>
-          <a:p>
-            <a:pPr marL="0" indent="0">
-              <a:buNone/>
+              <a:rPr lang="da-DK" dirty="0"/>
+              <a:t>Sidernes Verden er et svendeprøveprojekt udviklet som afsluttende del af uddannelsen som datateknikker med speciale i programmering.</a:t>
+            </a:r>
+          </a:p>
+          <a:p>
+            <a:pPr marL="342900" indent="-342900" algn="l">
+              <a:buFont typeface="Arial" panose="020B0604020202020204" pitchFamily="34" charset="0"/>
+              <a:buChar char="•"/>
             </a:pPr>
             <a:r>
               <a:rPr lang="da-DK" dirty="0"/>
-              <a:t>Opbygning af en komplet webshop med Laravel som backend, Eloquent-ORM, SQLite database og Blade-Frontend.</a:t>
-            </a:r>
-          </a:p>
-          <a:p>
-            <a:pPr marL="0" indent="0">
-              <a:buNone/>
-            </a:pPr>
-            <a:endParaRPr lang="da-DK" dirty="0"/>
-          </a:p>
-        </p:txBody>
-      </p:sp>
-      <p:sp>
-        <p:nvSpPr>
-          <p:cNvPr id="4" name="Pladsholder til indhold 3">
-            <a:extLst>
-              <a:ext uri="{FF2B5EF4-FFF2-40B4-BE49-F238E27FC236}">
-                <a16:creationId xmlns:a16="http://schemas.microsoft.com/office/drawing/2014/main" id="{F6CCF2C5-23C0-3A85-095C-21B2E1207641}"/>
-              </a:ext>
-            </a:extLst>
-          </p:cNvPr>
-          <p:cNvSpPr>
-            <a:spLocks noGrp="1"/>
-          </p:cNvSpPr>
-          <p:nvPr>
-            <p:ph sz="half" idx="2"/>
-          </p:nvPr>
-        </p:nvSpPr>
-        <p:spPr/>
-        <p:txBody>
-          <a:bodyPr/>
-          <a:lstStyle/>
-          <a:p>
-            <a:pPr marL="0" indent="0">
-              <a:buNone/>
-            </a:pPr>
-            <a:r>
-              <a:rPr lang="da-DK" b="1" dirty="0"/>
-              <a:t>Hovedudfordringer</a:t>
-            </a:r>
-            <a:r>
-              <a:rPr lang="da-DK" dirty="0"/>
-              <a:t>:</a:t>
-            </a:r>
-          </a:p>
-          <a:p>
-            <a:pPr marL="0" indent="0">
-              <a:buNone/>
-            </a:pPr>
-            <a:r>
-              <a:rPr lang="da-DK" dirty="0"/>
-              <a:t>Betalingsintegration</a:t>
-            </a:r>
-          </a:p>
-          <a:p>
-            <a:pPr marL="0" indent="0">
-              <a:buNone/>
-            </a:pPr>
-            <a:r>
-              <a:rPr lang="da-DK" dirty="0"/>
-              <a:t>Import af bøger inden go-live</a:t>
-            </a:r>
-          </a:p>
-          <a:p>
-            <a:pPr marL="0" indent="0">
-              <a:buNone/>
-            </a:pPr>
-            <a:r>
-              <a:rPr lang="da-DK" dirty="0"/>
-              <a:t>Hændelseslog</a:t>
-            </a:r>
-          </a:p>
-          <a:p>
-            <a:pPr marL="0" indent="0">
-              <a:buNone/>
-            </a:pPr>
-            <a:r>
-              <a:rPr lang="da-DK" dirty="0"/>
-              <a:t>Søgefunktionalitet</a:t>
-            </a:r>
-          </a:p>
-          <a:p>
-            <a:pPr marL="0" indent="0">
-              <a:buNone/>
-            </a:pPr>
-            <a:r>
-              <a:rPr lang="da-DK" dirty="0"/>
-              <a:t>Filtrering af bøger</a:t>
-            </a:r>
-          </a:p>
-          <a:p>
-            <a:pPr marL="0" indent="0">
-              <a:buNone/>
-            </a:pPr>
-            <a:r>
-              <a:rPr lang="da-DK" dirty="0"/>
-              <a:t>Brugerrolle administrering og håndtering</a:t>
+              <a:t>Målet med projektet er at skabe en funktionsdygtig og brugervenlig webshop til salg af bøger, som imødekommer behovene hos både medarbejdere og kunder.</a:t>
             </a:r>
           </a:p>
         </p:txBody>
@@ -6610,7 +6638,7 @@
     </p:spTree>
     <p:extLst>
       <p:ext uri="{BB962C8B-B14F-4D97-AF65-F5344CB8AC3E}">
-        <p14:creationId xmlns:p14="http://schemas.microsoft.com/office/powerpoint/2010/main" val="1871731242"/>
+        <p14:creationId xmlns:p14="http://schemas.microsoft.com/office/powerpoint/2010/main" val="3153151334"/>
       </p:ext>
     </p:extLst>
   </p:cSld>
@@ -6642,7 +6670,7 @@
           <p:cNvPr id="2" name="Titel 1">
             <a:extLst>
               <a:ext uri="{FF2B5EF4-FFF2-40B4-BE49-F238E27FC236}">
-                <a16:creationId xmlns:a16="http://schemas.microsoft.com/office/drawing/2014/main" id="{A756BEE0-7064-2D6B-1C18-2C3E33247372}"/>
+                <a16:creationId xmlns:a16="http://schemas.microsoft.com/office/drawing/2014/main" id="{65C03B50-0BFC-82E5-C5DE-D29E368592F2}"/>
               </a:ext>
             </a:extLst>
           </p:cNvPr>
@@ -6650,7 +6678,7 @@
             <a:spLocks noGrp="1"/>
           </p:cNvSpPr>
           <p:nvPr>
-            <p:ph type="ctrTitle"/>
+            <p:ph type="title"/>
           </p:nvPr>
         </p:nvSpPr>
         <p:spPr/>
@@ -6659,19 +6687,18 @@
           <a:lstStyle/>
           <a:p>
             <a:r>
-              <a:rPr lang="da-DK" sz="3200" dirty="0"/>
-              <a:t>Udviklingsproces / Teknologivalg</a:t>
-            </a:r>
-            <a:endParaRPr lang="da-DK" dirty="0"/>
-          </a:p>
-        </p:txBody>
-      </p:sp>
-      <p:sp>
-        <p:nvSpPr>
-          <p:cNvPr id="3" name="Undertitel 2">
+              <a:rPr lang="da-DK" dirty="0"/>
+              <a:t>Projekt</a:t>
+            </a:r>
+          </a:p>
+        </p:txBody>
+      </p:sp>
+      <p:sp>
+        <p:nvSpPr>
+          <p:cNvPr id="3" name="Pladsholder til indhold 2">
             <a:extLst>
               <a:ext uri="{FF2B5EF4-FFF2-40B4-BE49-F238E27FC236}">
-                <a16:creationId xmlns:a16="http://schemas.microsoft.com/office/drawing/2014/main" id="{61ECE6CD-DCC9-4087-42DA-9465B030BC69}"/>
+                <a16:creationId xmlns:a16="http://schemas.microsoft.com/office/drawing/2014/main" id="{77D37433-D154-5ADF-0571-328182BC006B}"/>
               </a:ext>
             </a:extLst>
           </p:cNvPr>
@@ -6679,33 +6706,103 @@
             <a:spLocks noGrp="1"/>
           </p:cNvSpPr>
           <p:nvPr>
-            <p:ph type="subTitle" idx="1"/>
+            <p:ph sz="half" idx="1"/>
           </p:nvPr>
         </p:nvSpPr>
         <p:spPr/>
         <p:txBody>
-          <a:bodyPr>
-            <a:normAutofit/>
-          </a:bodyPr>
+          <a:bodyPr/>
           <a:lstStyle/>
           <a:p>
-            <a:pPr marL="342900" indent="-342900" algn="l">
-              <a:buFont typeface="Arial" panose="020B0604020202020204" pitchFamily="34" charset="0"/>
-              <a:buChar char="•"/>
+            <a:pPr marL="0" indent="0">
+              <a:buNone/>
             </a:pPr>
             <a:r>
+              <a:rPr lang="da-DK" b="1" dirty="0"/>
+              <a:t>Formål:</a:t>
+            </a:r>
+          </a:p>
+          <a:p>
+            <a:r>
               <a:rPr lang="da-DK" dirty="0"/>
-              <a:t>Projektstyring og fremskridt</a:t>
-            </a:r>
-          </a:p>
-          <a:p>
-            <a:pPr marL="342900" indent="-342900" algn="l">
-              <a:buFont typeface="Arial" panose="020B0604020202020204" pitchFamily="34" charset="0"/>
-              <a:buChar char="•"/>
+              <a:t>At udvikle en online handelsplatform, som giver mulighed for køb af bøger.</a:t>
+            </a:r>
+          </a:p>
+          <a:p>
+            <a:r>
+              <a:rPr lang="da-DK" dirty="0"/>
+              <a:t>At levere en løsning, hvor medarbejdere let kan administrere webshoppen efter overlevering, samt overvåge salg, håndtere bøger og få indsigt i admin aktiviteter gennem en log.</a:t>
+            </a:r>
+          </a:p>
+        </p:txBody>
+      </p:sp>
+      <p:sp>
+        <p:nvSpPr>
+          <p:cNvPr id="4" name="Pladsholder til indhold 3">
+            <a:extLst>
+              <a:ext uri="{FF2B5EF4-FFF2-40B4-BE49-F238E27FC236}">
+                <a16:creationId xmlns:a16="http://schemas.microsoft.com/office/drawing/2014/main" id="{F6CCF2C5-23C0-3A85-095C-21B2E1207641}"/>
+              </a:ext>
+            </a:extLst>
+          </p:cNvPr>
+          <p:cNvSpPr>
+            <a:spLocks noGrp="1"/>
+          </p:cNvSpPr>
+          <p:nvPr>
+            <p:ph sz="half" idx="2"/>
+          </p:nvPr>
+        </p:nvSpPr>
+        <p:spPr/>
+        <p:txBody>
+          <a:bodyPr/>
+          <a:lstStyle/>
+          <a:p>
+            <a:pPr marL="0" indent="0">
+              <a:buNone/>
             </a:pPr>
             <a:r>
+              <a:rPr lang="da-DK" b="1" dirty="0"/>
+              <a:t>Hovedudfordringer</a:t>
+            </a:r>
+            <a:r>
               <a:rPr lang="da-DK" dirty="0"/>
-              <a:t>Valg af teknologier</a:t>
+              <a:t>:</a:t>
+            </a:r>
+          </a:p>
+          <a:p>
+            <a:r>
+              <a:rPr lang="da-DK" dirty="0"/>
+              <a:t>Implementering af betalingsgateway</a:t>
+            </a:r>
+          </a:p>
+          <a:p>
+            <a:r>
+              <a:rPr lang="da-DK" dirty="0"/>
+              <a:t>Hændelseslog med event listeners i Laravel</a:t>
+            </a:r>
+          </a:p>
+          <a:p>
+            <a:r>
+              <a:rPr lang="da-DK" dirty="0"/>
+              <a:t>Søgefunktionalitet</a:t>
+            </a:r>
+          </a:p>
+          <a:p>
+            <a:r>
+              <a:rPr lang="da-DK" dirty="0"/>
+              <a:t>Filtrering af bøger</a:t>
+            </a:r>
+          </a:p>
+          <a:p>
+            <a:r>
+              <a:rPr lang="da-DK" dirty="0"/>
+              <a:t>Brugerroller og adgangshåndtering</a:t>
+            </a:r>
+          </a:p>
+          <a:p>
+            <a:r>
+              <a:rPr lang="da-DK" dirty="0"/>
+              <a:t>Import af bøger</a:t>
             </a:r>
           </a:p>
         </p:txBody>
@@ -6713,7 +6810,7 @@
     </p:spTree>
     <p:extLst>
       <p:ext uri="{BB962C8B-B14F-4D97-AF65-F5344CB8AC3E}">
-        <p14:creationId xmlns:p14="http://schemas.microsoft.com/office/powerpoint/2010/main" val="922931602"/>
+        <p14:creationId xmlns:p14="http://schemas.microsoft.com/office/powerpoint/2010/main" val="1871731242"/>
       </p:ext>
     </p:extLst>
   </p:cSld>
@@ -6745,7 +6842,7 @@
           <p:cNvPr id="2" name="Titel 1">
             <a:extLst>
               <a:ext uri="{FF2B5EF4-FFF2-40B4-BE49-F238E27FC236}">
-                <a16:creationId xmlns:a16="http://schemas.microsoft.com/office/drawing/2014/main" id="{FD07D411-74A7-B8D3-CF4A-54F452D4485E}"/>
+                <a16:creationId xmlns:a16="http://schemas.microsoft.com/office/drawing/2014/main" id="{A756BEE0-7064-2D6B-1C18-2C3E33247372}"/>
               </a:ext>
             </a:extLst>
           </p:cNvPr>
@@ -6756,15 +6853,21 @@
             <p:ph type="ctrTitle"/>
           </p:nvPr>
         </p:nvSpPr>
-        <p:spPr/>
+        <p:spPr>
+          <a:xfrm>
+            <a:off x="1600200" y="369685"/>
+            <a:ext cx="8991600" cy="1645920"/>
+          </a:xfrm>
+        </p:spPr>
         <p:txBody>
           <a:bodyPr/>
           <a:lstStyle/>
           <a:p>
             <a:r>
-              <a:rPr lang="da-DK" dirty="0"/>
-              <a:t>Test og kvalitetssikring</a:t>
-            </a:r>
+              <a:rPr lang="da-DK" sz="3200" dirty="0"/>
+              <a:t>Udviklingsproces</a:t>
+            </a:r>
+            <a:endParaRPr lang="da-DK" dirty="0"/>
           </a:p>
         </p:txBody>
       </p:sp>
@@ -6773,7 +6876,7 @@
           <p:cNvPr id="3" name="Undertitel 2">
             <a:extLst>
               <a:ext uri="{FF2B5EF4-FFF2-40B4-BE49-F238E27FC236}">
-                <a16:creationId xmlns:a16="http://schemas.microsoft.com/office/drawing/2014/main" id="{103EC94B-E894-76C6-9084-030DCC97B40D}"/>
+                <a16:creationId xmlns:a16="http://schemas.microsoft.com/office/drawing/2014/main" id="{61ECE6CD-DCC9-4087-42DA-9465B030BC69}"/>
               </a:ext>
             </a:extLst>
           </p:cNvPr>
@@ -6784,45 +6887,50 @@
             <p:ph type="subTitle" idx="1"/>
           </p:nvPr>
         </p:nvSpPr>
-        <p:spPr/>
+        <p:spPr>
+          <a:xfrm>
+            <a:off x="2048436" y="2668792"/>
+            <a:ext cx="4226860" cy="3337560"/>
+          </a:xfrm>
+        </p:spPr>
         <p:txBody>
           <a:bodyPr>
-            <a:normAutofit lnSpcReduction="10000"/>
+            <a:normAutofit/>
           </a:bodyPr>
           <a:lstStyle/>
+          <a:p>
+            <a:pPr algn="l"/>
+            <a:r>
+              <a:rPr lang="da-DK" b="1" dirty="0"/>
+              <a:t>Udviklingsproces</a:t>
+            </a:r>
+            <a:r>
+              <a:rPr lang="da-DK" dirty="0"/>
+              <a:t>:</a:t>
+            </a:r>
+          </a:p>
           <a:p>
             <a:pPr marL="342900" indent="-342900" algn="l">
               <a:buFont typeface="Arial" panose="020B0604020202020204" pitchFamily="34" charset="0"/>
               <a:buChar char="•"/>
             </a:pPr>
-            <a:endParaRPr lang="da-DK" dirty="0"/>
+            <a:r>
+              <a:rPr lang="da-DK" dirty="0"/>
+              <a:t>Agil udviklingsmetodik i form af Kanban.</a:t>
+            </a:r>
           </a:p>
           <a:p>
             <a:pPr marL="342900" indent="-342900" algn="l">
               <a:buFont typeface="Arial" panose="020B0604020202020204" pitchFamily="34" charset="0"/>
               <a:buChar char="•"/>
             </a:pPr>
-            <a:endParaRPr lang="da-DK" dirty="0"/>
-          </a:p>
-          <a:p>
-            <a:pPr marL="342900" indent="-342900" algn="l">
-              <a:buFont typeface="Arial" panose="020B0604020202020204" pitchFamily="34" charset="0"/>
-              <a:buChar char="•"/>
-            </a:pPr>
             <a:r>
               <a:rPr lang="da-DK" dirty="0"/>
-              <a:t>GitHub Actions</a:t>
+              <a:t>Udviklingsfaser, herunder planlægning, design, implementering, test, og lancering.</a:t>
             </a:r>
           </a:p>
           <a:p>
             <a:pPr algn="l"/>
-            <a:endParaRPr lang="da-DK" dirty="0"/>
-          </a:p>
-          <a:p>
-            <a:pPr marL="342900" indent="-342900" algn="l">
-              <a:buFont typeface="Arial" panose="020B0604020202020204" pitchFamily="34" charset="0"/>
-              <a:buChar char="•"/>
-            </a:pPr>
             <a:endParaRPr lang="da-DK" dirty="0"/>
           </a:p>
         </p:txBody>
@@ -6830,7 +6938,7 @@
     </p:spTree>
     <p:extLst>
       <p:ext uri="{BB962C8B-B14F-4D97-AF65-F5344CB8AC3E}">
-        <p14:creationId xmlns:p14="http://schemas.microsoft.com/office/powerpoint/2010/main" val="747342238"/>
+        <p14:creationId xmlns:p14="http://schemas.microsoft.com/office/powerpoint/2010/main" val="922931602"/>
       </p:ext>
     </p:extLst>
   </p:cSld>
@@ -6873,14 +6981,19 @@
             <p:ph type="ctrTitle"/>
           </p:nvPr>
         </p:nvSpPr>
-        <p:spPr/>
+        <p:spPr>
+          <a:xfrm>
+            <a:off x="1600200" y="351756"/>
+            <a:ext cx="8991600" cy="1645920"/>
+          </a:xfrm>
+        </p:spPr>
         <p:txBody>
           <a:bodyPr/>
           <a:lstStyle/>
           <a:p>
             <a:r>
               <a:rPr lang="da-DK" dirty="0"/>
-              <a:t>Showcase</a:t>
+              <a:t>Test og kvalitetssikring</a:t>
             </a:r>
           </a:p>
         </p:txBody>
@@ -6901,7 +7014,12 @@
             <p:ph type="subTitle" idx="1"/>
           </p:nvPr>
         </p:nvSpPr>
-        <p:spPr/>
+        <p:spPr>
+          <a:xfrm>
+            <a:off x="1600200" y="2339788"/>
+            <a:ext cx="8991600" cy="4166456"/>
+          </a:xfrm>
+        </p:spPr>
         <p:txBody>
           <a:bodyPr>
             <a:normAutofit/>
@@ -6909,21 +7027,53 @@
           <a:lstStyle/>
           <a:p>
             <a:pPr algn="l"/>
-            <a:endParaRPr lang="da-DK" dirty="0"/>
-          </a:p>
-          <a:p>
-            <a:pPr marL="342900" indent="-342900" algn="l">
-              <a:buFont typeface="Arial" panose="020B0604020202020204" pitchFamily="34" charset="0"/>
-              <a:buChar char="•"/>
-            </a:pPr>
-            <a:endParaRPr lang="da-DK" dirty="0"/>
+            <a:r>
+              <a:rPr lang="da-DK" b="1" dirty="0"/>
+              <a:t>Mål</a:t>
+            </a:r>
+            <a:r>
+              <a:rPr lang="da-DK" dirty="0"/>
+              <a:t>:</a:t>
+            </a:r>
+            <a:br>
+              <a:rPr lang="da-DK" dirty="0"/>
+            </a:br>
+            <a:r>
+              <a:rPr lang="da-DK" dirty="0"/>
+              <a:t>At sikre en robust og sikker webshop som opfylder funktionelle krav ved hjælp af automatiserede tests, samt manuel testning for at dække både frontend og backend funktionaliteter.</a:t>
+            </a:r>
+          </a:p>
+          <a:p>
+            <a:pPr algn="l"/>
+            <a:r>
+              <a:rPr lang="da-DK" b="1" dirty="0"/>
+              <a:t>GitHub Actions</a:t>
+            </a:r>
+            <a:r>
+              <a:rPr lang="da-DK" dirty="0"/>
+              <a:t>:</a:t>
+            </a:r>
+          </a:p>
+          <a:p>
+            <a:pPr algn="l"/>
+            <a:r>
+              <a:rPr lang="da-DK" dirty="0"/>
+              <a:t>Når ændringer pushes til GitHub køres der automatiserede tests, eksempelvis Unit tests, integrationstests, automatisk kontrol af kodekvalitet og ”best-practice” standarder, tjek for sikkerhedsbrud og sårbarheder i koden samt i tredjeparts biblioteker</a:t>
+            </a:r>
+          </a:p>
+          <a:p>
+            <a:pPr algn="l"/>
+            <a:r>
+              <a:rPr lang="da-DK" dirty="0"/>
+              <a:t>Dette udføres med Larastan code analysis, Laravel Application tester, PHP packages vulnerability checker.</a:t>
+            </a:r>
           </a:p>
         </p:txBody>
       </p:sp>
     </p:spTree>
     <p:extLst>
       <p:ext uri="{BB962C8B-B14F-4D97-AF65-F5344CB8AC3E}">
-        <p14:creationId xmlns:p14="http://schemas.microsoft.com/office/powerpoint/2010/main" val="4007746566"/>
+        <p14:creationId xmlns:p14="http://schemas.microsoft.com/office/powerpoint/2010/main" val="747342238"/>
       </p:ext>
     </p:extLst>
   </p:cSld>
@@ -6955,7 +7105,7 @@
           <p:cNvPr id="2" name="Titel 1">
             <a:extLst>
               <a:ext uri="{FF2B5EF4-FFF2-40B4-BE49-F238E27FC236}">
-                <a16:creationId xmlns:a16="http://schemas.microsoft.com/office/drawing/2014/main" id="{C7890C44-731E-AFBF-C3DF-9C25DF1B45A1}"/>
+                <a16:creationId xmlns:a16="http://schemas.microsoft.com/office/drawing/2014/main" id="{FD07D411-74A7-B8D3-CF4A-54F452D4485E}"/>
               </a:ext>
             </a:extLst>
           </p:cNvPr>
@@ -6964,6 +7114,34 @@
           </p:cNvSpPr>
           <p:nvPr>
             <p:ph type="ctrTitle"/>
+          </p:nvPr>
+        </p:nvSpPr>
+        <p:spPr/>
+        <p:txBody>
+          <a:bodyPr/>
+          <a:lstStyle/>
+          <a:p>
+            <a:r>
+              <a:rPr lang="da-DK" dirty="0"/>
+              <a:t>Showcase</a:t>
+            </a:r>
+          </a:p>
+        </p:txBody>
+      </p:sp>
+      <p:sp>
+        <p:nvSpPr>
+          <p:cNvPr id="3" name="Undertitel 2">
+            <a:extLst>
+              <a:ext uri="{FF2B5EF4-FFF2-40B4-BE49-F238E27FC236}">
+                <a16:creationId xmlns:a16="http://schemas.microsoft.com/office/drawing/2014/main" id="{103EC94B-E894-76C6-9084-030DCC97B40D}"/>
+              </a:ext>
+            </a:extLst>
+          </p:cNvPr>
+          <p:cNvSpPr>
+            <a:spLocks noGrp="1"/>
+          </p:cNvSpPr>
+          <p:nvPr>
+            <p:ph type="subTitle" idx="1"/>
           </p:nvPr>
         </p:nvSpPr>
         <p:spPr/>
@@ -6973,34 +7151,14 @@
           </a:bodyPr>
           <a:lstStyle/>
           <a:p>
-            <a:r>
-              <a:rPr lang="da-DK" dirty="0"/>
-              <a:t>Konklusion og fremtidige forbedringer</a:t>
-            </a:r>
-          </a:p>
-        </p:txBody>
-      </p:sp>
-      <p:sp>
-        <p:nvSpPr>
-          <p:cNvPr id="3" name="Undertitel 2">
-            <a:extLst>
-              <a:ext uri="{FF2B5EF4-FFF2-40B4-BE49-F238E27FC236}">
-                <a16:creationId xmlns:a16="http://schemas.microsoft.com/office/drawing/2014/main" id="{8D712467-51C2-E04E-8BD2-E0E69D5EF007}"/>
-              </a:ext>
-            </a:extLst>
-          </p:cNvPr>
-          <p:cNvSpPr>
-            <a:spLocks noGrp="1"/>
-          </p:cNvSpPr>
-          <p:nvPr>
-            <p:ph type="subTitle" idx="1"/>
-          </p:nvPr>
-        </p:nvSpPr>
-        <p:spPr/>
-        <p:txBody>
-          <a:bodyPr/>
-          <a:lstStyle/>
-          <a:p>
+            <a:pPr algn="l"/>
+            <a:endParaRPr lang="da-DK" dirty="0"/>
+          </a:p>
+          <a:p>
+            <a:pPr marL="342900" indent="-342900" algn="l">
+              <a:buFont typeface="Arial" panose="020B0604020202020204" pitchFamily="34" charset="0"/>
+              <a:buChar char="•"/>
+            </a:pPr>
             <a:endParaRPr lang="da-DK" dirty="0"/>
           </a:p>
         </p:txBody>
@@ -7008,7 +7166,7 @@
     </p:spTree>
     <p:extLst>
       <p:ext uri="{BB962C8B-B14F-4D97-AF65-F5344CB8AC3E}">
-        <p14:creationId xmlns:p14="http://schemas.microsoft.com/office/powerpoint/2010/main" val="1260473696"/>
+        <p14:creationId xmlns:p14="http://schemas.microsoft.com/office/powerpoint/2010/main" val="4007746566"/>
       </p:ext>
     </p:extLst>
   </p:cSld>
@@ -7040,7 +7198,7 @@
           <p:cNvPr id="2" name="Titel 1">
             <a:extLst>
               <a:ext uri="{FF2B5EF4-FFF2-40B4-BE49-F238E27FC236}">
-                <a16:creationId xmlns:a16="http://schemas.microsoft.com/office/drawing/2014/main" id="{D7DD8E29-8890-19CF-4009-AA8F26DBF4FD}"/>
+                <a16:creationId xmlns:a16="http://schemas.microsoft.com/office/drawing/2014/main" id="{C7890C44-731E-AFBF-C3DF-9C25DF1B45A1}"/>
               </a:ext>
             </a:extLst>
           </p:cNvPr>
@@ -7051,38 +7209,10 @@
             <p:ph type="ctrTitle"/>
           </p:nvPr>
         </p:nvSpPr>
-        <p:spPr/>
-        <p:txBody>
-          <a:bodyPr/>
-          <a:lstStyle/>
-          <a:p>
-            <a:r>
-              <a:rPr lang="da-DK" dirty="0"/>
-              <a:t>Selvvalgt emne</a:t>
-            </a:r>
-          </a:p>
-        </p:txBody>
-      </p:sp>
-      <p:sp>
-        <p:nvSpPr>
-          <p:cNvPr id="3" name="Undertitel 2">
-            <a:extLst>
-              <a:ext uri="{FF2B5EF4-FFF2-40B4-BE49-F238E27FC236}">
-                <a16:creationId xmlns:a16="http://schemas.microsoft.com/office/drawing/2014/main" id="{34684423-583E-2E31-3716-3AF0A2D09AAF}"/>
-              </a:ext>
-            </a:extLst>
-          </p:cNvPr>
-          <p:cNvSpPr>
-            <a:spLocks noGrp="1"/>
-          </p:cNvSpPr>
-          <p:nvPr>
-            <p:ph type="subTitle" idx="1"/>
-          </p:nvPr>
-        </p:nvSpPr>
         <p:spPr>
           <a:xfrm>
-            <a:off x="2695194" y="4998003"/>
-            <a:ext cx="6801612" cy="407715"/>
+            <a:off x="1600200" y="442602"/>
+            <a:ext cx="8991600" cy="1645920"/>
           </a:xfrm>
         </p:spPr>
         <p:txBody>
@@ -7093,7 +7223,89 @@
           <a:p>
             <a:r>
               <a:rPr lang="da-DK" dirty="0"/>
-              <a:t>Kunstpause</a:t>
+              <a:t>Konklusion og fremtidige forbedringer</a:t>
+            </a:r>
+          </a:p>
+        </p:txBody>
+      </p:sp>
+      <p:sp>
+        <p:nvSpPr>
+          <p:cNvPr id="3" name="Undertitel 2">
+            <a:extLst>
+              <a:ext uri="{FF2B5EF4-FFF2-40B4-BE49-F238E27FC236}">
+                <a16:creationId xmlns:a16="http://schemas.microsoft.com/office/drawing/2014/main" id="{8D712467-51C2-E04E-8BD2-E0E69D5EF007}"/>
+              </a:ext>
+            </a:extLst>
+          </p:cNvPr>
+          <p:cNvSpPr>
+            <a:spLocks noGrp="1"/>
+          </p:cNvSpPr>
+          <p:nvPr>
+            <p:ph type="subTitle" idx="1"/>
+          </p:nvPr>
+        </p:nvSpPr>
+        <p:spPr>
+          <a:xfrm>
+            <a:off x="1600200" y="2465293"/>
+            <a:ext cx="8991600" cy="3872753"/>
+          </a:xfrm>
+        </p:spPr>
+        <p:txBody>
+          <a:bodyPr/>
+          <a:lstStyle/>
+          <a:p>
+            <a:pPr algn="l"/>
+            <a:r>
+              <a:rPr lang="da-DK" dirty="0"/>
+              <a:t>Sidernes Verden nåede flere af sine primære mål, på trods af at der ikke blev lavet fuld responsiv understøttelse indenfor projektets tidsramme.</a:t>
+            </a:r>
+          </a:p>
+          <a:p>
+            <a:pPr algn="l"/>
+            <a:r>
+              <a:rPr lang="da-DK" dirty="0"/>
+              <a:t>Webshoppen giver mulighed for administrering af alle entiteter, giver kunderne mulighed for at søge, filtrere, håndtere produkter i kurv og fuldende køb.</a:t>
+            </a:r>
+          </a:p>
+          <a:p>
+            <a:pPr algn="l"/>
+            <a:r>
+              <a:rPr lang="da-DK" b="1" dirty="0"/>
+              <a:t>Forbedringer</a:t>
+            </a:r>
+            <a:r>
+              <a:rPr lang="da-DK" dirty="0"/>
+              <a:t>:</a:t>
+            </a:r>
+          </a:p>
+          <a:p>
+            <a:pPr marL="342900" indent="-342900" algn="l">
+              <a:buFont typeface="Arial" panose="020B0604020202020204" pitchFamily="34" charset="0"/>
+              <a:buChar char="•"/>
+            </a:pPr>
+            <a:r>
+              <a:rPr lang="da-DK" dirty="0"/>
+              <a:t>Responsiv design</a:t>
+            </a:r>
+          </a:p>
+          <a:p>
+            <a:pPr marL="342900" indent="-342900" algn="l">
+              <a:buFont typeface="Arial" panose="020B0604020202020204" pitchFamily="34" charset="0"/>
+              <a:buChar char="•"/>
+            </a:pPr>
+            <a:r>
+              <a:rPr lang="da-DK" dirty="0"/>
+              <a:t>Dynamisk import (valg af fil, mapning af felter, separat import af f. eks. Forfattere. </a:t>
+            </a:r>
+          </a:p>
+          <a:p>
+            <a:pPr marL="342900" indent="-342900" algn="l">
+              <a:buFont typeface="Arial" panose="020B0604020202020204" pitchFamily="34" charset="0"/>
+              <a:buChar char="•"/>
+            </a:pPr>
+            <a:r>
+              <a:rPr lang="da-DK" dirty="0"/>
+              <a:t>Udvidet funktionalitet ift. Søgning med flere parametre, samt udvidet filtrering, paginering på både frontend og backend, gem af favoritter, søgefunktionalitet i administration og et mere fuldendt design.</a:t>
             </a:r>
           </a:p>
         </p:txBody>
@@ -7101,7 +7313,7 @@
     </p:spTree>
     <p:extLst>
       <p:ext uri="{BB962C8B-B14F-4D97-AF65-F5344CB8AC3E}">
-        <p14:creationId xmlns:p14="http://schemas.microsoft.com/office/powerpoint/2010/main" val="3426936425"/>
+        <p14:creationId xmlns:p14="http://schemas.microsoft.com/office/powerpoint/2010/main" val="1260473696"/>
       </p:ext>
     </p:extLst>
   </p:cSld>
@@ -7133,7 +7345,7 @@
           <p:cNvPr id="2" name="Titel 1">
             <a:extLst>
               <a:ext uri="{FF2B5EF4-FFF2-40B4-BE49-F238E27FC236}">
-                <a16:creationId xmlns:a16="http://schemas.microsoft.com/office/drawing/2014/main" id="{D0EF457F-B02C-6103-F0AA-1D08E1B8E6D4}"/>
+                <a16:creationId xmlns:a16="http://schemas.microsoft.com/office/drawing/2014/main" id="{D7DD8E29-8890-19CF-4009-AA8F26DBF4FD}"/>
               </a:ext>
             </a:extLst>
           </p:cNvPr>
@@ -7141,7 +7353,7 @@
             <a:spLocks noGrp="1"/>
           </p:cNvSpPr>
           <p:nvPr>
-            <p:ph type="title"/>
+            <p:ph type="ctrTitle"/>
           </p:nvPr>
         </p:nvSpPr>
         <p:spPr/>
@@ -7151,17 +7363,17 @@
           <a:p>
             <a:r>
               <a:rPr lang="da-DK" dirty="0"/>
-              <a:t>Bash</a:t>
-            </a:r>
-          </a:p>
-        </p:txBody>
-      </p:sp>
-      <p:sp>
-        <p:nvSpPr>
-          <p:cNvPr id="3" name="Pladsholder til indhold 2">
+              <a:t>Selvvalgt emne</a:t>
+            </a:r>
+          </a:p>
+        </p:txBody>
+      </p:sp>
+      <p:sp>
+        <p:nvSpPr>
+          <p:cNvPr id="3" name="Undertitel 2">
             <a:extLst>
               <a:ext uri="{FF2B5EF4-FFF2-40B4-BE49-F238E27FC236}">
-                <a16:creationId xmlns:a16="http://schemas.microsoft.com/office/drawing/2014/main" id="{E71D4E96-B162-B73E-C863-621E7067B5BB}"/>
+                <a16:creationId xmlns:a16="http://schemas.microsoft.com/office/drawing/2014/main" id="{34684423-583E-2E31-3716-3AF0A2D09AAF}"/>
               </a:ext>
             </a:extLst>
           </p:cNvPr>
@@ -7169,13 +7381,13 @@
             <a:spLocks noGrp="1"/>
           </p:cNvSpPr>
           <p:nvPr>
-            <p:ph idx="1"/>
+            <p:ph type="subTitle" idx="1"/>
           </p:nvPr>
         </p:nvSpPr>
         <p:spPr>
           <a:xfrm>
-            <a:off x="2231136" y="2943919"/>
-            <a:ext cx="7729728" cy="2949389"/>
+            <a:off x="2695194" y="4998003"/>
+            <a:ext cx="6801612" cy="407715"/>
           </a:xfrm>
         </p:spPr>
         <p:txBody>
@@ -7186,22 +7398,15 @@
           <a:p>
             <a:r>
               <a:rPr lang="da-DK" dirty="0"/>
-              <a:t>Bash, hvad er det?!</a:t>
-            </a:r>
-          </a:p>
-          <a:p>
-            <a:r>
-              <a:rPr lang="da-DK" sz="1800" dirty="0"/>
-              <a:t>Showcase</a:t>
-            </a:r>
-            <a:endParaRPr lang="da-DK" dirty="0"/>
+              <a:t>Kunstpause</a:t>
+            </a:r>
           </a:p>
         </p:txBody>
       </p:sp>
     </p:spTree>
     <p:extLst>
       <p:ext uri="{BB962C8B-B14F-4D97-AF65-F5344CB8AC3E}">
-        <p14:creationId xmlns:p14="http://schemas.microsoft.com/office/powerpoint/2010/main" val="124140558"/>
+        <p14:creationId xmlns:p14="http://schemas.microsoft.com/office/powerpoint/2010/main" val="3426936425"/>
       </p:ext>
     </p:extLst>
   </p:cSld>

--- a/Assets/Documents/Præsentation-sidernesVerden.pptx
+++ b/Assets/Documents/Præsentation-sidernesVerden.pptx
@@ -300,7 +300,7 @@
           <a:p>
             <a:fld id="{CA430C0A-5464-4FE4-84EB-FF9C94016DF4}" type="datetimeFigureOut">
               <a:rPr lang="en-US" dirty="0"/>
-              <a:t>5/3/2024</a:t>
+              <a:t>5/9/2024</a:t>
             </a:fld>
             <a:endParaRPr lang="en-US" dirty="0"/>
           </a:p>
@@ -466,7 +466,7 @@
           <a:p>
             <a:fld id="{E9F9C37B-1D36-470B-8223-D6C91242EC14}" type="datetimeFigureOut">
               <a:rPr lang="en-US" dirty="0"/>
-              <a:t>5/3/2024</a:t>
+              <a:t>5/9/2024</a:t>
             </a:fld>
             <a:endParaRPr lang="en-US" dirty="0"/>
           </a:p>
@@ -641,7 +641,7 @@
           <a:p>
             <a:fld id="{67C6F52A-A82B-47A2-A83A-8C4C91F2D59F}" type="datetimeFigureOut">
               <a:rPr lang="en-US" dirty="0"/>
-              <a:t>5/3/2024</a:t>
+              <a:t>5/9/2024</a:t>
             </a:fld>
             <a:endParaRPr lang="en-US" dirty="0"/>
           </a:p>
@@ -806,7 +806,7 @@
           <a:p>
             <a:fld id="{F070A7B3-6521-4DCA-87E5-044747A908C1}" type="datetimeFigureOut">
               <a:rPr lang="en-US" dirty="0"/>
-              <a:t>5/3/2024</a:t>
+              <a:t>5/9/2024</a:t>
             </a:fld>
             <a:endParaRPr lang="en-US" dirty="0"/>
           </a:p>
@@ -1062,7 +1062,7 @@
           <a:p>
             <a:fld id="{360C6404-AD6E-4860-8E75-697CA40B95DA}" type="datetimeFigureOut">
               <a:rPr lang="en-US" dirty="0"/>
-              <a:t>5/3/2024</a:t>
+              <a:t>5/9/2024</a:t>
             </a:fld>
             <a:endParaRPr lang="en-US" dirty="0"/>
           </a:p>
@@ -1290,7 +1290,7 @@
           <a:p>
             <a:fld id="{AB134690-1557-4C89-A502-4959FE7FAD70}" type="datetimeFigureOut">
               <a:rPr lang="en-US" dirty="0"/>
-              <a:t>5/3/2024</a:t>
+              <a:t>5/9/2024</a:t>
             </a:fld>
             <a:endParaRPr lang="en-US" dirty="0"/>
           </a:p>
@@ -1640,7 +1640,7 @@
           <a:p>
             <a:fld id="{4F7D4976-E339-4826-83B7-FBD03F55ECF8}" type="datetimeFigureOut">
               <a:rPr lang="en-US" dirty="0"/>
-              <a:t>5/3/2024</a:t>
+              <a:t>5/9/2024</a:t>
             </a:fld>
             <a:endParaRPr lang="en-US" dirty="0"/>
           </a:p>
@@ -1776,7 +1776,7 @@
           <a:p>
             <a:fld id="{E1037C31-9E7A-4F99-8774-A0E530DE1A42}" type="datetimeFigureOut">
               <a:rPr lang="en-US" dirty="0"/>
-              <a:t>5/3/2024</a:t>
+              <a:t>5/9/2024</a:t>
             </a:fld>
             <a:endParaRPr lang="en-US" dirty="0"/>
           </a:p>
@@ -1866,7 +1866,7 @@
           <a:p>
             <a:fld id="{C278504F-A551-4DE0-9316-4DCD1D8CC752}" type="datetimeFigureOut">
               <a:rPr lang="en-US" dirty="0"/>
-              <a:t>5/3/2024</a:t>
+              <a:t>5/9/2024</a:t>
             </a:fld>
             <a:endParaRPr lang="en-US" dirty="0"/>
           </a:p>
@@ -2218,7 +2218,7 @@
           <a:p>
             <a:fld id="{D1BE4249-C0D0-4B06-8692-E8BB871AF643}" type="datetimeFigureOut">
               <a:rPr lang="en-US" dirty="0"/>
-              <a:t>5/3/2024</a:t>
+              <a:t>5/9/2024</a:t>
             </a:fld>
             <a:endParaRPr lang="en-US" dirty="0"/>
           </a:p>
@@ -2531,7 +2531,7 @@
           <a:p>
             <a:fld id="{042B0DB6-F5C7-45FB-8CF3-31B45F9C2DAC}" type="datetimeFigureOut">
               <a:rPr lang="en-US" dirty="0"/>
-              <a:t>5/3/2024</a:t>
+              <a:t>5/9/2024</a:t>
             </a:fld>
             <a:endParaRPr lang="en-US" dirty="0"/>
           </a:p>
@@ -2771,7 +2771,7 @@
           <a:p>
             <a:fld id="{1160EA64-D806-43AC-9DF2-F8C432F32B4C}" type="datetimeFigureOut">
               <a:rPr lang="en-US" dirty="0"/>
-              <a:t>5/3/2024</a:t>
+              <a:t>5/9/2024</a:t>
             </a:fld>
             <a:endParaRPr lang="en-US" dirty="0"/>
           </a:p>
